--- a/1week/하노아의 탑 이해.pptx
+++ b/1week/하노아의 탑 이해.pptx
@@ -167,10 +167,6 @@
             <a:pPr lvl="0">
               <a:defRPr/>
             </a:pPr>
-            <a:r>
-              <a:rPr lang="ko-KR" altLang="en-US"/>
-              <a:t/>
-            </a:r>
             <a:endParaRPr lang="ko-KR" altLang="en-US"/>
           </a:p>
         </p:txBody>
@@ -358,10 +354,6 @@
             <a:pPr lvl="0">
               <a:defRPr/>
             </a:pPr>
-            <a:r>
-              <a:rPr lang="ko-KR" altLang="en-US"/>
-              <a:t/>
-            </a:r>
             <a:endParaRPr lang="ko-KR" altLang="en-US"/>
           </a:p>
         </p:txBody>
@@ -563,10 +555,6 @@
             <a:pPr lvl="0">
               <a:defRPr/>
             </a:pPr>
-            <a:r>
-              <a:rPr lang="ko-KR" altLang="en-US"/>
-              <a:t/>
-            </a:r>
             <a:endParaRPr lang="ko-KR" altLang="en-US"/>
           </a:p>
         </p:txBody>
@@ -665,10 +653,6 @@
             <a:pPr lvl="0">
               <a:defRPr/>
             </a:pPr>
-            <a:r>
-              <a:rPr lang="ko-KR" altLang="en-US"/>
-              <a:t/>
-            </a:r>
             <a:endParaRPr lang="ko-KR" altLang="en-US"/>
           </a:p>
         </p:txBody>
@@ -4235,7 +4219,7 @@
         <p:spPr>
           <a:xfrm>
             <a:off x="6709558" y="585803"/>
-            <a:ext cx="5149870" cy="641017"/>
+            <a:ext cx="5149870" cy="1736392"/>
           </a:xfrm>
           <a:prstGeom prst="rect">
             <a:avLst/>
@@ -4250,106 +4234,96 @@
               <a:defRPr/>
             </a:pPr>
             <a:r>
+              <a:rPr lang="ko-KR" altLang="en-US">
+                <a:solidFill>
+                  <a:srgbClr val="ff0000"/>
+                </a:solidFill>
+              </a:rPr>
+              <a:t>왼쪽에 블럭이 쌓여있는 경우</a:t>
+            </a:r>
+            <a:r>
+              <a:rPr lang="en-US" altLang="ko-KR"/>
+              <a:t>,</a:t>
+            </a:r>
+            <a:br>
+              <a:rPr lang="ko-KR" altLang="en-US"/>
+            </a:br>
+            <a:r>
+              <a:rPr lang="ko-KR" altLang="en-US">
+                <a:solidFill>
+                  <a:srgbClr val="9c3b00"/>
+                </a:solidFill>
+              </a:rPr>
+              <a:t>중앙에 쌓여있는 경우</a:t>
+            </a:r>
+            <a:r>
+              <a:rPr lang="en-US" altLang="ko-KR">
+                <a:solidFill>
+                  <a:srgbClr val="9c3b00"/>
+                </a:solidFill>
+              </a:rPr>
+              <a:t>,</a:t>
+            </a:r>
+            <a:r>
+              <a:rPr lang="ko-KR" altLang="en-US">
+                <a:solidFill>
+                  <a:srgbClr val="9c3b00"/>
+                </a:solidFill>
+              </a:rPr>
+              <a:t> </a:t>
+            </a:r>
+            <a:br>
+              <a:rPr lang="ko-KR" altLang="en-US">
+                <a:solidFill>
+                  <a:srgbClr val="9c3b00"/>
+                </a:solidFill>
+              </a:rPr>
+            </a:br>
+            <a:r>
+              <a:rPr lang="ko-KR" altLang="en-US">
+                <a:solidFill>
+                  <a:srgbClr val="1e7452"/>
+                </a:solidFill>
+              </a:rPr>
+              <a:t>오른쪽에 쌓여있는 경우</a:t>
+            </a:r>
+            <a:r>
+              <a:rPr lang="ko-KR" altLang="en-US"/>
+              <a:t>에도 이동 동작의 횟수나 형태는 동일하다</a:t>
+            </a:r>
+            <a:r>
+              <a:rPr lang="en-US" altLang="ko-KR"/>
+              <a:t>.</a:t>
+            </a:r>
+            <a:r>
+              <a:rPr lang="ko-KR" altLang="en-US"/>
+              <a:t> </a:t>
+            </a:r>
+            <a:br>
+              <a:rPr lang="ko-KR" altLang="en-US"/>
+            </a:br>
+            <a:r>
+              <a:rPr lang="ko-KR" altLang="en-US"/>
+              <a:t>다만 해당 공간의 명칭만 변경한다</a:t>
+            </a:r>
+            <a:br>
+              <a:rPr lang="ko-KR" altLang="en-US"/>
+            </a:br>
+            <a:r>
+              <a:rPr lang="en-US" altLang="ko-KR"/>
+              <a:t>ex) </a:t>
+            </a:r>
+            <a:r>
+              <a:rPr lang="ko-KR" altLang="en-US"/>
+              <a:t>중앙에 쌓여있는 경우 중앙 명칭을 </a:t>
+            </a:r>
+            <a:r>
               <a:rPr lang="en-US" altLang="ko-KR"/>
               <a:t>A</a:t>
             </a:r>
             <a:r>
               <a:rPr lang="ko-KR" altLang="en-US"/>
-              <a:t>에 블럭이 쌓여있는 경우</a:t>
-            </a:r>
-            <a:r>
-              <a:rPr lang="en-US" altLang="ko-KR"/>
-              <a:t>,</a:t>
-            </a:r>
-            <a:r>
-              <a:rPr lang="ko-KR" altLang="en-US"/>
-              <a:t> </a:t>
-            </a:r>
-            <a:r>
-              <a:rPr lang="en-US" altLang="ko-KR"/>
-              <a:t>B</a:t>
-            </a:r>
-            <a:r>
-              <a:rPr lang="ko-KR" altLang="en-US"/>
-              <a:t>에 쌓여있는 경우 전부 같음</a:t>
-            </a:r>
-            <a:endParaRPr lang="ko-KR" altLang="en-US"/>
-          </a:p>
-        </p:txBody>
-      </p:sp>
-      <p:sp>
-        <p:nvSpPr>
-          <p:cNvPr id="25" name="가로 글상자 24"/>
-          <p:cNvSpPr txBox="1"/>
-          <p:nvPr/>
-        </p:nvSpPr>
-        <p:spPr>
-          <a:xfrm>
-            <a:off x="6709559" y="1313527"/>
-            <a:ext cx="5149869" cy="361980"/>
-          </a:xfrm>
-          <a:prstGeom prst="rect">
-            <a:avLst/>
-          </a:prstGeom>
-        </p:spPr>
-        <p:txBody>
-          <a:bodyPr wrap="square">
-            <a:spAutoFit/>
-          </a:bodyPr>
-          <a:p>
-            <a:pPr lvl="0">
-              <a:defRPr/>
-            </a:pPr>
-            <a:r>
-              <a:rPr lang="ko-KR" altLang="en-US"/>
-              <a:t>원반을 옮기는 횟수는 </a:t>
-            </a:r>
-            <a:r>
-              <a:rPr lang="en-US" altLang="ko-KR"/>
-              <a:t>A,B,C </a:t>
-            </a:r>
-            <a:r>
-              <a:rPr lang="ko-KR" altLang="en-US"/>
-              <a:t>어디에 있든지 똑같다</a:t>
-            </a:r>
-            <a:endParaRPr lang="ko-KR" altLang="en-US"/>
-          </a:p>
-        </p:txBody>
-      </p:sp>
-      <p:sp>
-        <p:nvSpPr>
-          <p:cNvPr id="26" name="가로 글상자 25"/>
-          <p:cNvSpPr txBox="1"/>
-          <p:nvPr/>
-        </p:nvSpPr>
-        <p:spPr>
-          <a:xfrm>
-            <a:off x="6709559" y="1675507"/>
-            <a:ext cx="5149869" cy="361980"/>
-          </a:xfrm>
-          <a:prstGeom prst="rect">
-            <a:avLst/>
-          </a:prstGeom>
-        </p:spPr>
-        <p:txBody>
-          <a:bodyPr wrap="square">
-            <a:spAutoFit/>
-          </a:bodyPr>
-          <a:p>
-            <a:pPr lvl="0">
-              <a:defRPr/>
-            </a:pPr>
-            <a:r>
-              <a:rPr lang="ko-KR" altLang="en-US"/>
-              <a:t>원반을 옮기는 횟수는 </a:t>
-            </a:r>
-            <a:r>
-              <a:rPr lang="en-US" altLang="ko-KR"/>
-              <a:t>A,B,C </a:t>
-            </a:r>
-            <a:r>
-              <a:rPr lang="ko-KR" altLang="en-US"/>
-              <a:t>어디에 있든지 똑같다</a:t>
+              <a:t>로 변경</a:t>
             </a:r>
             <a:endParaRPr lang="ko-KR" altLang="en-US"/>
           </a:p>
@@ -5012,7 +4986,7 @@
         </p:nvSpPr>
         <p:spPr>
           <a:xfrm>
-            <a:off x="7636557" y="2285089"/>
+            <a:off x="7636557" y="2504164"/>
             <a:ext cx="4044555" cy="2438862"/>
           </a:xfrm>
           <a:prstGeom prst="star12">
@@ -10934,6 +10908,316 @@
             <a:r>
               <a:rPr lang="en-US" altLang="ko-KR"/>
               <a:t>5)</a:t>
+            </a:r>
+            <a:endParaRPr lang="en-US" altLang="ko-KR"/>
+          </a:p>
+        </p:txBody>
+      </p:sp>
+      <p:sp>
+        <p:nvSpPr>
+          <p:cNvPr id="11" name="가로 글상자 10"/>
+          <p:cNvSpPr txBox="1"/>
+          <p:nvPr/>
+        </p:nvSpPr>
+        <p:spPr>
+          <a:xfrm>
+            <a:off x="4528185" y="5044005"/>
+            <a:ext cx="413354" cy="364290"/>
+          </a:xfrm>
+          <a:prstGeom prst="rect">
+            <a:avLst/>
+          </a:prstGeom>
+        </p:spPr>
+        <p:txBody>
+          <a:bodyPr wrap="none">
+            <a:spAutoFit/>
+          </a:bodyPr>
+          <a:p>
+            <a:pPr lvl="0">
+              <a:defRPr/>
+            </a:pPr>
+            <a:r>
+              <a:rPr lang="en-US" altLang="ko-KR"/>
+              <a:t>6)</a:t>
+            </a:r>
+            <a:endParaRPr lang="en-US" altLang="ko-KR"/>
+          </a:p>
+        </p:txBody>
+      </p:sp>
+      <p:sp>
+        <p:nvSpPr>
+          <p:cNvPr id="12" name="가로 글상자 11"/>
+          <p:cNvSpPr txBox="1"/>
+          <p:nvPr/>
+        </p:nvSpPr>
+        <p:spPr>
+          <a:xfrm>
+            <a:off x="4048184" y="5875192"/>
+            <a:ext cx="413354" cy="364290"/>
+          </a:xfrm>
+          <a:prstGeom prst="rect">
+            <a:avLst/>
+          </a:prstGeom>
+        </p:spPr>
+        <p:txBody>
+          <a:bodyPr wrap="none">
+            <a:spAutoFit/>
+          </a:bodyPr>
+          <a:p>
+            <a:pPr lvl="0">
+              <a:defRPr/>
+            </a:pPr>
+            <a:r>
+              <a:rPr lang="en-US" altLang="ko-KR"/>
+              <a:t>7)</a:t>
+            </a:r>
+            <a:endParaRPr lang="en-US" altLang="ko-KR"/>
+          </a:p>
+        </p:txBody>
+      </p:sp>
+      <p:sp>
+        <p:nvSpPr>
+          <p:cNvPr id="13" name="가로 글상자 12"/>
+          <p:cNvSpPr txBox="1"/>
+          <p:nvPr/>
+        </p:nvSpPr>
+        <p:spPr>
+          <a:xfrm>
+            <a:off x="4994910" y="5875192"/>
+            <a:ext cx="412690" cy="364290"/>
+          </a:xfrm>
+          <a:prstGeom prst="rect">
+            <a:avLst/>
+          </a:prstGeom>
+        </p:spPr>
+        <p:txBody>
+          <a:bodyPr wrap="none">
+            <a:spAutoFit/>
+          </a:bodyPr>
+          <a:p>
+            <a:pPr lvl="0">
+              <a:defRPr/>
+            </a:pPr>
+            <a:r>
+              <a:rPr lang="en-US" altLang="ko-KR"/>
+              <a:t>8)</a:t>
+            </a:r>
+            <a:endParaRPr lang="en-US" altLang="ko-KR"/>
+          </a:p>
+        </p:txBody>
+      </p:sp>
+      <p:sp>
+        <p:nvSpPr>
+          <p:cNvPr id="14" name="가로 글상자 13"/>
+          <p:cNvSpPr txBox="1"/>
+          <p:nvPr/>
+        </p:nvSpPr>
+        <p:spPr>
+          <a:xfrm>
+            <a:off x="7557135" y="4177707"/>
+            <a:ext cx="415465" cy="364290"/>
+          </a:xfrm>
+          <a:prstGeom prst="rect">
+            <a:avLst/>
+          </a:prstGeom>
+        </p:spPr>
+        <p:txBody>
+          <a:bodyPr wrap="none">
+            <a:spAutoFit/>
+          </a:bodyPr>
+          <a:p>
+            <a:pPr lvl="0">
+              <a:defRPr/>
+            </a:pPr>
+            <a:r>
+              <a:rPr lang="en-US" altLang="ko-KR"/>
+              <a:t>9)</a:t>
+            </a:r>
+            <a:endParaRPr lang="en-US" altLang="ko-KR"/>
+          </a:p>
+        </p:txBody>
+      </p:sp>
+      <p:sp>
+        <p:nvSpPr>
+          <p:cNvPr id="15" name="가로 글상자 14"/>
+          <p:cNvSpPr txBox="1"/>
+          <p:nvPr/>
+        </p:nvSpPr>
+        <p:spPr>
+          <a:xfrm>
+            <a:off x="6461760" y="5029338"/>
+            <a:ext cx="528340" cy="364290"/>
+          </a:xfrm>
+          <a:prstGeom prst="rect">
+            <a:avLst/>
+          </a:prstGeom>
+        </p:spPr>
+        <p:txBody>
+          <a:bodyPr wrap="none">
+            <a:spAutoFit/>
+          </a:bodyPr>
+          <a:p>
+            <a:pPr lvl="0">
+              <a:defRPr/>
+            </a:pPr>
+            <a:r>
+              <a:rPr lang="en-US" altLang="ko-KR"/>
+              <a:t>10)</a:t>
+            </a:r>
+            <a:endParaRPr lang="en-US" altLang="ko-KR"/>
+          </a:p>
+        </p:txBody>
+      </p:sp>
+      <p:sp>
+        <p:nvSpPr>
+          <p:cNvPr id="16" name="가로 글상자 15"/>
+          <p:cNvSpPr txBox="1"/>
+          <p:nvPr/>
+        </p:nvSpPr>
+        <p:spPr>
+          <a:xfrm>
+            <a:off x="6090285" y="5875192"/>
+            <a:ext cx="534055" cy="364290"/>
+          </a:xfrm>
+          <a:prstGeom prst="rect">
+            <a:avLst/>
+          </a:prstGeom>
+        </p:spPr>
+        <p:txBody>
+          <a:bodyPr wrap="none">
+            <a:spAutoFit/>
+          </a:bodyPr>
+          <a:p>
+            <a:pPr lvl="0">
+              <a:defRPr/>
+            </a:pPr>
+            <a:r>
+              <a:rPr lang="en-US" altLang="ko-KR"/>
+              <a:t>11)</a:t>
+            </a:r>
+            <a:endParaRPr lang="en-US" altLang="ko-KR"/>
+          </a:p>
+        </p:txBody>
+      </p:sp>
+      <p:sp>
+        <p:nvSpPr>
+          <p:cNvPr id="17" name="가로 글상자 16"/>
+          <p:cNvSpPr txBox="1"/>
+          <p:nvPr/>
+        </p:nvSpPr>
+        <p:spPr>
+          <a:xfrm>
+            <a:off x="7023735" y="5874412"/>
+            <a:ext cx="533400" cy="364290"/>
+          </a:xfrm>
+          <a:prstGeom prst="rect">
+            <a:avLst/>
+          </a:prstGeom>
+        </p:spPr>
+        <p:txBody>
+          <a:bodyPr wrap="none">
+            <a:spAutoFit/>
+          </a:bodyPr>
+          <a:p>
+            <a:pPr lvl="0">
+              <a:defRPr/>
+            </a:pPr>
+            <a:r>
+              <a:rPr lang="en-US" altLang="ko-KR"/>
+              <a:t>12)</a:t>
+            </a:r>
+            <a:endParaRPr lang="en-US" altLang="ko-KR"/>
+          </a:p>
+        </p:txBody>
+      </p:sp>
+      <p:sp>
+        <p:nvSpPr>
+          <p:cNvPr id="18" name="가로 글상자 17"/>
+          <p:cNvSpPr txBox="1"/>
+          <p:nvPr/>
+        </p:nvSpPr>
+        <p:spPr>
+          <a:xfrm>
+            <a:off x="8614410" y="5029338"/>
+            <a:ext cx="532725" cy="364290"/>
+          </a:xfrm>
+          <a:prstGeom prst="rect">
+            <a:avLst/>
+          </a:prstGeom>
+        </p:spPr>
+        <p:txBody>
+          <a:bodyPr wrap="none">
+            <a:spAutoFit/>
+          </a:bodyPr>
+          <a:p>
+            <a:pPr lvl="0">
+              <a:defRPr/>
+            </a:pPr>
+            <a:r>
+              <a:rPr lang="en-US" altLang="ko-KR"/>
+              <a:t>13)</a:t>
+            </a:r>
+            <a:endParaRPr lang="en-US" altLang="ko-KR"/>
+          </a:p>
+        </p:txBody>
+      </p:sp>
+      <p:sp>
+        <p:nvSpPr>
+          <p:cNvPr id="19" name="가로 글상자 18"/>
+          <p:cNvSpPr txBox="1"/>
+          <p:nvPr/>
+        </p:nvSpPr>
+        <p:spPr>
+          <a:xfrm>
+            <a:off x="8081010" y="5875192"/>
+            <a:ext cx="526124" cy="364290"/>
+          </a:xfrm>
+          <a:prstGeom prst="rect">
+            <a:avLst/>
+          </a:prstGeom>
+        </p:spPr>
+        <p:txBody>
+          <a:bodyPr wrap="none">
+            <a:spAutoFit/>
+          </a:bodyPr>
+          <a:p>
+            <a:pPr lvl="0">
+              <a:defRPr/>
+            </a:pPr>
+            <a:r>
+              <a:rPr lang="en-US" altLang="ko-KR"/>
+              <a:t>14)</a:t>
+            </a:r>
+            <a:endParaRPr lang="en-US" altLang="ko-KR"/>
+          </a:p>
+        </p:txBody>
+      </p:sp>
+      <p:sp>
+        <p:nvSpPr>
+          <p:cNvPr id="20" name="가로 글상자 19"/>
+          <p:cNvSpPr txBox="1"/>
+          <p:nvPr/>
+        </p:nvSpPr>
+        <p:spPr>
+          <a:xfrm>
+            <a:off x="9138285" y="5874412"/>
+            <a:ext cx="534974" cy="364290"/>
+          </a:xfrm>
+          <a:prstGeom prst="rect">
+            <a:avLst/>
+          </a:prstGeom>
+        </p:spPr>
+        <p:txBody>
+          <a:bodyPr wrap="none">
+            <a:spAutoFit/>
+          </a:bodyPr>
+          <a:p>
+            <a:pPr lvl="0">
+              <a:defRPr/>
+            </a:pPr>
+            <a:r>
+              <a:rPr lang="en-US" altLang="ko-KR"/>
+              <a:t>15)</a:t>
             </a:r>
             <a:endParaRPr lang="en-US" altLang="ko-KR"/>
           </a:p>

--- a/1week/하노아의 탑 이해.pptx
+++ b/1week/하노아의 탑 이해.pptx
@@ -12,8 +12,10 @@
     <p:sldId id="259" r:id="rId4"/>
     <p:sldId id="260" r:id="rId5"/>
     <p:sldId id="261" r:id="rId6"/>
-    <p:sldId id="257" r:id="rId7"/>
-    <p:sldId id="262" r:id="rId8"/>
+    <p:sldId id="263" r:id="rId7"/>
+    <p:sldId id="257" r:id="rId8"/>
+    <p:sldId id="262" r:id="rId9"/>
+    <p:sldId id="264" r:id="rId10"/>
   </p:sldIdLst>
   <p:sldSz cx="12192000" cy="6858000"/>
   <p:notesSz cx="6858000" cy="9144000"/>
@@ -6198,7 +6200,7 @@
               <a:defRPr/>
             </a:pPr>
             <a:r>
-              <a:rPr xmlns:mc="http://schemas.openxmlformats.org/markup-compatibility/2006" xmlns:hp="http://schemas.haansoft.com/office/presentation/8.0" kumimoji="0" lang="ko-KR" altLang="en-US" sz="1800" b="0" i="0" u="none" strike="noStrike" kern="1200" cap="none" spc="0" normalizeH="0" baseline="0" mc:Ignorable="hp" hp:hslEmbossed="0">
+              <a:rPr xmlns:mc="http://schemas.openxmlformats.org/markup-compatibility/2006" xmlns:hp="http://schemas.haansoft.com/office/presentation/8.0" kumimoji="0" lang="ko-KR" altLang="en-US" sz="1800" b="1" i="0" u="none" strike="noStrike" kern="1200" cap="none" spc="0" normalizeH="0" baseline="0" mc:Ignorable="hp" hp:hslEmbossed="0">
                 <a:solidFill>
                   <a:srgbClr val="000000"/>
                 </a:solidFill>
@@ -6209,7 +6211,7 @@
               <a:t>이전 </a:t>
             </a:r>
             <a:r>
-              <a:rPr xmlns:mc="http://schemas.openxmlformats.org/markup-compatibility/2006" xmlns:hp="http://schemas.haansoft.com/office/presentation/8.0" kumimoji="0" lang="en-US" altLang="ko-KR" sz="1800" b="0" i="0" u="none" strike="noStrike" kern="1200" cap="none" spc="0" normalizeH="0" baseline="0" mc:Ignorable="hp" hp:hslEmbossed="0">
+              <a:rPr xmlns:mc="http://schemas.openxmlformats.org/markup-compatibility/2006" xmlns:hp="http://schemas.haansoft.com/office/presentation/8.0" kumimoji="0" lang="en-US" altLang="ko-KR" sz="1800" b="1" i="0" u="none" strike="noStrike" kern="1200" cap="none" spc="0" normalizeH="0" baseline="0" mc:Ignorable="hp" hp:hslEmbossed="0">
                 <a:solidFill>
                   <a:srgbClr val="000000"/>
                 </a:solidFill>
@@ -6220,7 +6222,7 @@
               <a:t>PPT</a:t>
             </a:r>
             <a:r>
-              <a:rPr xmlns:mc="http://schemas.openxmlformats.org/markup-compatibility/2006" xmlns:hp="http://schemas.haansoft.com/office/presentation/8.0" kumimoji="0" lang="ko-KR" altLang="en-US" sz="1800" b="0" i="0" u="none" strike="noStrike" kern="1200" cap="none" spc="0" normalizeH="0" baseline="0" mc:Ignorable="hp" hp:hslEmbossed="0">
+              <a:rPr xmlns:mc="http://schemas.openxmlformats.org/markup-compatibility/2006" xmlns:hp="http://schemas.haansoft.com/office/presentation/8.0" kumimoji="0" lang="ko-KR" altLang="en-US" sz="1800" b="1" i="0" u="none" strike="noStrike" kern="1200" cap="none" spc="0" normalizeH="0" baseline="0" mc:Ignorable="hp" hp:hslEmbossed="0">
                 <a:solidFill>
                   <a:srgbClr val="000000"/>
                 </a:solidFill>
@@ -6231,7 +6233,7 @@
               <a:t>의 코드를 바탕으로 다음과 같이 시작하는 것으로 구상</a:t>
             </a:r>
             <a:br>
-              <a:rPr xmlns:mc="http://schemas.openxmlformats.org/markup-compatibility/2006" xmlns:hp="http://schemas.haansoft.com/office/presentation/8.0" kumimoji="0" lang="ko-KR" altLang="en-US" sz="1800" b="0" i="0" u="none" strike="noStrike" kern="1200" cap="none" spc="0" normalizeH="0" baseline="0" mc:Ignorable="hp" hp:hslEmbossed="0">
+              <a:rPr xmlns:mc="http://schemas.openxmlformats.org/markup-compatibility/2006" xmlns:hp="http://schemas.haansoft.com/office/presentation/8.0" kumimoji="0" lang="ko-KR" altLang="en-US" sz="1800" b="1" i="0" u="none" strike="noStrike" kern="1200" cap="none" spc="0" normalizeH="0" baseline="0" mc:Ignorable="hp" hp:hslEmbossed="0">
                 <a:solidFill>
                   <a:srgbClr val="000000"/>
                 </a:solidFill>
@@ -6241,7 +6243,7 @@
               </a:rPr>
             </a:br>
             <a:r>
-              <a:rPr xmlns:mc="http://schemas.openxmlformats.org/markup-compatibility/2006" xmlns:hp="http://schemas.haansoft.com/office/presentation/8.0" kumimoji="0" lang="en-US" altLang="ko-KR" sz="1800" b="0" i="0" u="none" strike="noStrike" kern="1200" cap="none" spc="0" normalizeH="0" baseline="0" mc:Ignorable="hp" hp:hslEmbossed="0">
+              <a:rPr xmlns:mc="http://schemas.openxmlformats.org/markup-compatibility/2006" xmlns:hp="http://schemas.haansoft.com/office/presentation/8.0" kumimoji="0" lang="en-US" altLang="ko-KR" sz="1800" b="1" i="0" u="none" strike="noStrike" kern="1200" cap="none" spc="0" normalizeH="0" baseline="0" mc:Ignorable="hp" hp:hslEmbossed="0">
                 <a:solidFill>
                   <a:srgbClr val="000000"/>
                 </a:solidFill>
@@ -6252,7 +6254,7 @@
               <a:t>(</a:t>
             </a:r>
             <a:r>
-              <a:rPr xmlns:mc="http://schemas.openxmlformats.org/markup-compatibility/2006" xmlns:hp="http://schemas.haansoft.com/office/presentation/8.0" kumimoji="0" lang="ko-KR" altLang="en-US" sz="1800" b="0" i="0" u="none" strike="noStrike" kern="1200" cap="none" spc="0" normalizeH="0" baseline="0" mc:Ignorable="hp" hp:hslEmbossed="0">
+              <a:rPr xmlns:mc="http://schemas.openxmlformats.org/markup-compatibility/2006" xmlns:hp="http://schemas.haansoft.com/office/presentation/8.0" kumimoji="0" lang="ko-KR" altLang="en-US" sz="1800" b="1" i="0" u="none" strike="noStrike" kern="1200" cap="none" spc="0" normalizeH="0" baseline="0" mc:Ignorable="hp" hp:hslEmbossed="0">
                 <a:solidFill>
                   <a:srgbClr val="000000"/>
                 </a:solidFill>
@@ -6260,10 +6262,10 @@
                 <a:ea typeface="맑은 고딕"/>
                 <a:cs typeface="맑은 고딕"/>
               </a:rPr>
-              <a:t>코드를 일부 수정하면 아래와 같이 시작하지 않아도 됨</a:t>
-            </a:r>
-            <a:r>
-              <a:rPr xmlns:mc="http://schemas.openxmlformats.org/markup-compatibility/2006" xmlns:hp="http://schemas.haansoft.com/office/presentation/8.0" kumimoji="0" lang="en-US" altLang="ko-KR" sz="1800" b="0" i="0" u="none" strike="noStrike" kern="1200" cap="none" spc="0" normalizeH="0" baseline="0" mc:Ignorable="hp" hp:hslEmbossed="0">
+              <a:t>코드를 일부 수정하면 아래와 같이 시작하지 않아도 가능</a:t>
+            </a:r>
+            <a:r>
+              <a:rPr xmlns:mc="http://schemas.openxmlformats.org/markup-compatibility/2006" xmlns:hp="http://schemas.haansoft.com/office/presentation/8.0" kumimoji="0" lang="en-US" altLang="ko-KR" sz="1800" b="1" i="0" u="none" strike="noStrike" kern="1200" cap="none" spc="0" normalizeH="0" baseline="0" mc:Ignorable="hp" hp:hslEmbossed="0">
                 <a:solidFill>
                   <a:srgbClr val="000000"/>
                 </a:solidFill>
@@ -6273,7 +6275,7 @@
               </a:rPr>
               <a:t>)</a:t>
             </a:r>
-            <a:endParaRPr xmlns:mc="http://schemas.openxmlformats.org/markup-compatibility/2006" xmlns:hp="http://schemas.haansoft.com/office/presentation/8.0" kumimoji="0" lang="en-US" altLang="ko-KR" sz="1800" b="0" i="0" u="none" strike="noStrike" kern="1200" cap="none" spc="0" normalizeH="0" baseline="0" mc:Ignorable="hp" hp:hslEmbossed="0">
+            <a:endParaRPr xmlns:mc="http://schemas.openxmlformats.org/markup-compatibility/2006" xmlns:hp="http://schemas.haansoft.com/office/presentation/8.0" kumimoji="0" lang="en-US" altLang="ko-KR" sz="1800" b="1" i="0" u="none" strike="noStrike" kern="1200" cap="none" spc="0" normalizeH="0" baseline="0" mc:Ignorable="hp" hp:hslEmbossed="0">
               <a:solidFill>
                 <a:srgbClr val="000000"/>
               </a:solidFill>
@@ -8408,6 +8410,54 @@
           </a:p>
         </p:txBody>
       </p:sp>
+      <p:pic>
+        <p:nvPicPr>
+          <p:cNvPr id="57" name="그림 56"/>
+          <p:cNvPicPr>
+            <a:picLocks noChangeAspect="1"/>
+          </p:cNvPicPr>
+          <p:nvPr/>
+        </p:nvPicPr>
+        <p:blipFill rotWithShape="1">
+          <a:blip r:embed="rId2"/>
+          <a:stretch>
+            <a:fillRect/>
+          </a:stretch>
+        </p:blipFill>
+        <p:spPr>
+          <a:xfrm>
+            <a:off x="7489714" y="1566301"/>
+            <a:ext cx="4508696" cy="487100"/>
+          </a:xfrm>
+          <a:prstGeom prst="rect">
+            <a:avLst/>
+          </a:prstGeom>
+        </p:spPr>
+      </p:pic>
+      <p:pic>
+        <p:nvPicPr>
+          <p:cNvPr id="59" name="그림 58"/>
+          <p:cNvPicPr>
+            <a:picLocks noChangeAspect="1"/>
+          </p:cNvPicPr>
+          <p:nvPr/>
+        </p:nvPicPr>
+        <p:blipFill rotWithShape="1">
+          <a:blip r:embed="rId3"/>
+          <a:stretch>
+            <a:fillRect/>
+          </a:stretch>
+        </p:blipFill>
+        <p:spPr>
+          <a:xfrm>
+            <a:off x="7452684" y="5636894"/>
+            <a:ext cx="4545725" cy="659187"/>
+          </a:xfrm>
+          <a:prstGeom prst="rect">
+            <a:avLst/>
+          </a:prstGeom>
+        </p:spPr>
+      </p:pic>
     </p:spTree>
   </p:cSld>
   <p:clrMapOvr>
@@ -10074,6 +10124,2233 @@
           <a:chExt cx="0" cy="0"/>
         </a:xfrm>
       </p:grpSpPr>
+      <p:sp>
+        <p:nvSpPr>
+          <p:cNvPr id="21" name="가로 글상자 20"/>
+          <p:cNvSpPr txBox="1"/>
+          <p:nvPr/>
+        </p:nvSpPr>
+        <p:spPr>
+          <a:xfrm>
+            <a:off x="315905" y="153236"/>
+            <a:ext cx="7522460" cy="359209"/>
+          </a:xfrm>
+          <a:prstGeom prst="rect">
+            <a:avLst/>
+          </a:prstGeom>
+        </p:spPr>
+        <p:txBody>
+          <a:bodyPr wrap="square">
+            <a:spAutoFit/>
+          </a:bodyPr>
+          <a:p>
+            <a:pPr marL="0" lvl="0" indent="0" algn="l" defTabSz="914400" rtl="0" eaLnBrk="1" latinLnBrk="1" hangingPunct="1">
+              <a:lnSpc>
+                <a:spcPct val="100000"/>
+              </a:lnSpc>
+              <a:spcBef>
+                <a:spcPts val="0"/>
+              </a:spcBef>
+              <a:spcAft>
+                <a:spcPts val="0"/>
+              </a:spcAft>
+              <a:buNone/>
+              <a:defRPr/>
+            </a:pPr>
+            <a:r>
+              <a:rPr xmlns:mc="http://schemas.openxmlformats.org/markup-compatibility/2006" xmlns:hp="http://schemas.haansoft.com/office/presentation/8.0" kumimoji="0" lang="ko-KR" altLang="en-US" sz="1800" b="1" i="0" u="none" strike="noStrike" kern="1200" cap="none" spc="0" normalizeH="0" baseline="0" mc:Ignorable="hp" hp:hslEmbossed="0">
+                <a:solidFill>
+                  <a:srgbClr val="000000"/>
+                </a:solidFill>
+                <a:latin typeface="Calibri"/>
+                <a:ea typeface="맑은 고딕"/>
+                <a:cs typeface="맑은 고딕"/>
+              </a:rPr>
+              <a:t>시작점을 바꾸는 로직을 숙지</a:t>
+            </a:r>
+            <a:endParaRPr xmlns:mc="http://schemas.openxmlformats.org/markup-compatibility/2006" xmlns:hp="http://schemas.haansoft.com/office/presentation/8.0" kumimoji="0" lang="ko-KR" altLang="en-US" sz="1800" b="1" i="0" u="none" strike="noStrike" kern="1200" cap="none" spc="0" normalizeH="0" baseline="0" mc:Ignorable="hp" hp:hslEmbossed="0">
+              <a:solidFill>
+                <a:srgbClr val="000000"/>
+              </a:solidFill>
+              <a:latin typeface="Calibri"/>
+              <a:ea typeface="맑은 고딕"/>
+              <a:cs typeface="맑은 고딕"/>
+            </a:endParaRPr>
+          </a:p>
+        </p:txBody>
+      </p:sp>
+      <p:grpSp>
+        <p:nvGrpSpPr>
+          <p:cNvPr id="57" name="그룹 56"/>
+          <p:cNvGrpSpPr/>
+          <p:nvPr/>
+        </p:nvGrpSpPr>
+        <p:grpSpPr>
+          <a:xfrm rot="0">
+            <a:off x="838739" y="1196462"/>
+            <a:ext cx="6152546" cy="1572682"/>
+            <a:chOff x="1081560" y="779961"/>
+            <a:chExt cx="6152546" cy="1572682"/>
+          </a:xfrm>
+        </p:grpSpPr>
+        <p:grpSp>
+          <p:nvGrpSpPr>
+            <p:cNvPr id="58" name="그룹 7"/>
+            <p:cNvGrpSpPr/>
+            <p:nvPr/>
+          </p:nvGrpSpPr>
+          <p:grpSpPr>
+            <a:xfrm rot="0">
+              <a:off x="1081560" y="779961"/>
+              <a:ext cx="6152546" cy="1572681"/>
+              <a:chOff x="596651" y="2915685"/>
+              <a:chExt cx="11266288" cy="2879830"/>
+            </a:xfrm>
+          </p:grpSpPr>
+          <p:sp>
+            <p:nvSpPr>
+              <p:cNvPr id="59" name="직사각형 12"/>
+              <p:cNvSpPr/>
+              <p:nvPr/>
+            </p:nvSpPr>
+            <p:spPr>
+              <a:xfrm>
+                <a:off x="596651" y="2915691"/>
+                <a:ext cx="3490019" cy="2879824"/>
+              </a:xfrm>
+              <a:prstGeom prst="rect">
+                <a:avLst/>
+              </a:prstGeom>
+              <a:noFill/>
+              <a:ln w="28575" cap="flat" cmpd="sng" algn="ctr">
+                <a:solidFill>
+                  <a:srgbClr val="ff0000">
+                    <a:alpha val="100000"/>
+                  </a:srgbClr>
+                </a:solidFill>
+                <a:prstDash val="sysDash"/>
+              </a:ln>
+            </p:spPr>
+            <p:txBody>
+              <a:bodyPr anchor="ctr"/>
+              <a:p>
+                <a:pPr marL="0" lvl="0" indent="0" algn="ctr" defTabSz="914400" rtl="0" eaLnBrk="1" latinLnBrk="1" hangingPunct="1">
+                  <a:lnSpc>
+                    <a:spcPct val="100000"/>
+                  </a:lnSpc>
+                  <a:spcBef>
+                    <a:spcPts val="0"/>
+                  </a:spcBef>
+                  <a:spcAft>
+                    <a:spcPts val="0"/>
+                  </a:spcAft>
+                  <a:buNone/>
+                  <a:defRPr/>
+                </a:pPr>
+                <a:endParaRPr xmlns:mc="http://schemas.openxmlformats.org/markup-compatibility/2006" xmlns:hp="http://schemas.haansoft.com/office/presentation/8.0" kumimoji="0" lang="ko-KR" altLang="en-US" sz="1800" b="0" i="0" u="none" strike="noStrike" kern="1200" cap="none" spc="0" normalizeH="0" baseline="0" mc:Ignorable="hp" hp:hslEmbossed="0">
+                  <a:solidFill>
+                    <a:srgbClr val="ffffff"/>
+                  </a:solidFill>
+                  <a:latin typeface="Calibri"/>
+                  <a:ea typeface="맑은 고딕"/>
+                  <a:cs typeface="맑은 고딕"/>
+                </a:endParaRPr>
+              </a:p>
+            </p:txBody>
+          </p:sp>
+          <p:sp>
+            <p:nvSpPr>
+              <p:cNvPr id="60" name="직사각형 13"/>
+              <p:cNvSpPr/>
+              <p:nvPr/>
+            </p:nvSpPr>
+            <p:spPr>
+              <a:xfrm>
+                <a:off x="4484786" y="2915691"/>
+                <a:ext cx="3490019" cy="2879824"/>
+              </a:xfrm>
+              <a:prstGeom prst="rect">
+                <a:avLst/>
+              </a:prstGeom>
+              <a:noFill/>
+              <a:ln w="28575" cap="flat" cmpd="sng" algn="ctr">
+                <a:solidFill>
+                  <a:srgbClr val="ff0000">
+                    <a:alpha val="100000"/>
+                  </a:srgbClr>
+                </a:solidFill>
+                <a:prstDash val="sysDash"/>
+              </a:ln>
+            </p:spPr>
+            <p:txBody>
+              <a:bodyPr anchor="ctr"/>
+              <a:p>
+                <a:pPr marL="0" lvl="0" indent="0" algn="ctr" defTabSz="914400" rtl="0" eaLnBrk="1" latinLnBrk="1" hangingPunct="1">
+                  <a:lnSpc>
+                    <a:spcPct val="100000"/>
+                  </a:lnSpc>
+                  <a:spcBef>
+                    <a:spcPts val="0"/>
+                  </a:spcBef>
+                  <a:spcAft>
+                    <a:spcPts val="0"/>
+                  </a:spcAft>
+                  <a:buNone/>
+                  <a:defRPr/>
+                </a:pPr>
+                <a:endParaRPr xmlns:mc="http://schemas.openxmlformats.org/markup-compatibility/2006" xmlns:hp="http://schemas.haansoft.com/office/presentation/8.0" kumimoji="0" lang="ko-KR" altLang="en-US" sz="1800" b="0" i="0" u="none" strike="noStrike" kern="1200" cap="none" spc="0" normalizeH="0" baseline="0" mc:Ignorable="hp" hp:hslEmbossed="0">
+                  <a:solidFill>
+                    <a:srgbClr val="ffffff"/>
+                  </a:solidFill>
+                  <a:latin typeface="Calibri"/>
+                  <a:ea typeface="맑은 고딕"/>
+                  <a:cs typeface="맑은 고딕"/>
+                </a:endParaRPr>
+              </a:p>
+            </p:txBody>
+          </p:sp>
+          <p:sp>
+            <p:nvSpPr>
+              <p:cNvPr id="61" name="직사각형 14"/>
+              <p:cNvSpPr/>
+              <p:nvPr/>
+            </p:nvSpPr>
+            <p:spPr>
+              <a:xfrm>
+                <a:off x="8372921" y="2915691"/>
+                <a:ext cx="3490019" cy="2879824"/>
+              </a:xfrm>
+              <a:prstGeom prst="rect">
+                <a:avLst/>
+              </a:prstGeom>
+              <a:noFill/>
+              <a:ln w="28575" cap="flat" cmpd="sng" algn="ctr">
+                <a:solidFill>
+                  <a:srgbClr val="ff0000">
+                    <a:alpha val="100000"/>
+                  </a:srgbClr>
+                </a:solidFill>
+                <a:prstDash val="sysDash"/>
+              </a:ln>
+            </p:spPr>
+            <p:txBody>
+              <a:bodyPr anchor="ctr"/>
+              <a:p>
+                <a:pPr marL="0" lvl="0" indent="0" algn="ctr" defTabSz="914400" rtl="0" eaLnBrk="1" latinLnBrk="1" hangingPunct="1">
+                  <a:lnSpc>
+                    <a:spcPct val="100000"/>
+                  </a:lnSpc>
+                  <a:spcBef>
+                    <a:spcPts val="0"/>
+                  </a:spcBef>
+                  <a:spcAft>
+                    <a:spcPts val="0"/>
+                  </a:spcAft>
+                  <a:buNone/>
+                  <a:defRPr/>
+                </a:pPr>
+                <a:endParaRPr xmlns:mc="http://schemas.openxmlformats.org/markup-compatibility/2006" xmlns:hp="http://schemas.haansoft.com/office/presentation/8.0" kumimoji="0" lang="ko-KR" altLang="en-US" sz="1800" b="0" i="0" u="none" strike="noStrike" kern="1200" cap="none" spc="0" normalizeH="0" baseline="0" mc:Ignorable="hp" hp:hslEmbossed="0">
+                  <a:solidFill>
+                    <a:srgbClr val="ffffff"/>
+                  </a:solidFill>
+                  <a:latin typeface="Calibri"/>
+                  <a:ea typeface="맑은 고딕"/>
+                  <a:cs typeface="맑은 고딕"/>
+                </a:endParaRPr>
+              </a:p>
+            </p:txBody>
+          </p:sp>
+          <p:sp>
+            <p:nvSpPr>
+              <p:cNvPr id="62" name="직사각형 6"/>
+              <p:cNvSpPr/>
+              <p:nvPr/>
+            </p:nvSpPr>
+            <p:spPr>
+              <a:xfrm>
+                <a:off x="1202700" y="4541639"/>
+                <a:ext cx="2210096" cy="372070"/>
+              </a:xfrm>
+              <a:prstGeom prst="rect">
+                <a:avLst/>
+              </a:prstGeom>
+              <a:solidFill>
+                <a:srgbClr val="ffd700">
+                  <a:alpha val="100000"/>
+                </a:srgbClr>
+              </a:solidFill>
+              <a:ln w="19050" cap="flat" cmpd="sng" algn="ctr">
+                <a:solidFill>
+                  <a:srgbClr val="7a6700">
+                    <a:alpha val="100000"/>
+                  </a:srgbClr>
+                </a:solidFill>
+                <a:prstDash val="solid"/>
+              </a:ln>
+            </p:spPr>
+            <p:txBody>
+              <a:bodyPr anchor="ctr"/>
+              <a:p>
+                <a:pPr marL="0" lvl="0" indent="0" algn="ctr" defTabSz="914400" rtl="0" eaLnBrk="1" latinLnBrk="1" hangingPunct="1">
+                  <a:lnSpc>
+                    <a:spcPct val="100000"/>
+                  </a:lnSpc>
+                  <a:spcBef>
+                    <a:spcPts val="0"/>
+                  </a:spcBef>
+                  <a:spcAft>
+                    <a:spcPts val="0"/>
+                  </a:spcAft>
+                  <a:buNone/>
+                  <a:defRPr/>
+                </a:pPr>
+                <a:endParaRPr xmlns:mc="http://schemas.openxmlformats.org/markup-compatibility/2006" xmlns:hp="http://schemas.haansoft.com/office/presentation/8.0" kumimoji="0" lang="ko-KR" altLang="en-US" sz="1800" b="0" i="0" u="none" strike="noStrike" kern="1200" cap="none" spc="0" normalizeH="0" baseline="0" mc:Ignorable="hp" hp:hslEmbossed="0">
+                  <a:solidFill>
+                    <a:srgbClr val="ffffff"/>
+                  </a:solidFill>
+                  <a:latin typeface="Calibri"/>
+                  <a:ea typeface="맑은 고딕"/>
+                  <a:cs typeface="맑은 고딕"/>
+                </a:endParaRPr>
+              </a:p>
+            </p:txBody>
+          </p:sp>
+          <p:sp>
+            <p:nvSpPr>
+              <p:cNvPr id="63" name="직사각형 7"/>
+              <p:cNvSpPr/>
+              <p:nvPr/>
+            </p:nvSpPr>
+            <p:spPr>
+              <a:xfrm>
+                <a:off x="9404169" y="4534261"/>
+                <a:ext cx="1599902" cy="372070"/>
+              </a:xfrm>
+              <a:prstGeom prst="rect">
+                <a:avLst/>
+              </a:prstGeom>
+              <a:solidFill>
+                <a:srgbClr val="289b6e">
+                  <a:alpha val="100000"/>
+                </a:srgbClr>
+              </a:solidFill>
+              <a:ln w="19050" cap="flat" cmpd="sng" algn="ctr">
+                <a:solidFill>
+                  <a:srgbClr val="134a34">
+                    <a:alpha val="100000"/>
+                  </a:srgbClr>
+                </a:solidFill>
+                <a:prstDash val="solid"/>
+              </a:ln>
+            </p:spPr>
+            <p:txBody>
+              <a:bodyPr anchor="ctr"/>
+              <a:p>
+                <a:pPr marL="0" lvl="0" indent="0" algn="ctr" defTabSz="914400" rtl="0" eaLnBrk="1" latinLnBrk="1" hangingPunct="1">
+                  <a:lnSpc>
+                    <a:spcPct val="100000"/>
+                  </a:lnSpc>
+                  <a:spcBef>
+                    <a:spcPts val="0"/>
+                  </a:spcBef>
+                  <a:spcAft>
+                    <a:spcPts val="0"/>
+                  </a:spcAft>
+                  <a:buNone/>
+                  <a:defRPr/>
+                </a:pPr>
+                <a:endParaRPr xmlns:mc="http://schemas.openxmlformats.org/markup-compatibility/2006" xmlns:hp="http://schemas.haansoft.com/office/presentation/8.0" kumimoji="0" lang="ko-KR" altLang="en-US" sz="1800" b="0" i="0" u="none" strike="noStrike" kern="1200" cap="none" spc="0" normalizeH="0" baseline="0" mc:Ignorable="hp" hp:hslEmbossed="0">
+                  <a:solidFill>
+                    <a:srgbClr val="ffffff"/>
+                  </a:solidFill>
+                  <a:latin typeface="Calibri"/>
+                  <a:ea typeface="맑은 고딕"/>
+                  <a:cs typeface="맑은 고딕"/>
+                </a:endParaRPr>
+              </a:p>
+            </p:txBody>
+          </p:sp>
+          <p:sp>
+            <p:nvSpPr>
+              <p:cNvPr id="64" name="직사각형 8"/>
+              <p:cNvSpPr/>
+              <p:nvPr/>
+            </p:nvSpPr>
+            <p:spPr>
+              <a:xfrm>
+                <a:off x="9724150" y="4162190"/>
+                <a:ext cx="959941" cy="372070"/>
+              </a:xfrm>
+              <a:prstGeom prst="rect">
+                <a:avLst/>
+              </a:prstGeom>
+              <a:solidFill>
+                <a:srgbClr val="9d5cbb">
+                  <a:alpha val="100000"/>
+                </a:srgbClr>
+              </a:solidFill>
+              <a:ln w="19050" cap="flat" cmpd="sng" algn="ctr">
+                <a:solidFill>
+                  <a:srgbClr val="4b2b59">
+                    <a:alpha val="100000"/>
+                  </a:srgbClr>
+                </a:solidFill>
+                <a:prstDash val="solid"/>
+              </a:ln>
+            </p:spPr>
+            <p:txBody>
+              <a:bodyPr anchor="ctr"/>
+              <a:p>
+                <a:pPr marL="0" lvl="0" indent="0" algn="ctr" defTabSz="914400" rtl="0" eaLnBrk="1" latinLnBrk="1" hangingPunct="1">
+                  <a:lnSpc>
+                    <a:spcPct val="100000"/>
+                  </a:lnSpc>
+                  <a:spcBef>
+                    <a:spcPts val="0"/>
+                  </a:spcBef>
+                  <a:spcAft>
+                    <a:spcPts val="0"/>
+                  </a:spcAft>
+                  <a:buNone/>
+                  <a:defRPr/>
+                </a:pPr>
+                <a:endParaRPr xmlns:mc="http://schemas.openxmlformats.org/markup-compatibility/2006" xmlns:hp="http://schemas.haansoft.com/office/presentation/8.0" kumimoji="0" lang="ko-KR" altLang="en-US" sz="1800" b="0" i="0" u="none" strike="noStrike" kern="1200" cap="none" spc="0" normalizeH="0" baseline="0" mc:Ignorable="hp" hp:hslEmbossed="0">
+                  <a:solidFill>
+                    <a:srgbClr val="ffffff"/>
+                  </a:solidFill>
+                  <a:latin typeface="Calibri"/>
+                  <a:ea typeface="맑은 고딕"/>
+                  <a:cs typeface="맑은 고딕"/>
+                </a:endParaRPr>
+              </a:p>
+            </p:txBody>
+          </p:sp>
+          <p:sp>
+            <p:nvSpPr>
+              <p:cNvPr id="65" name="가로 글상자 15"/>
+              <p:cNvSpPr txBox="1"/>
+              <p:nvPr/>
+            </p:nvSpPr>
+            <p:spPr>
+              <a:xfrm>
+                <a:off x="704695" y="2915685"/>
+                <a:ext cx="806883" cy="661293"/>
+              </a:xfrm>
+              <a:prstGeom prst="rect">
+                <a:avLst/>
+              </a:prstGeom>
+            </p:spPr>
+            <p:txBody>
+              <a:bodyPr wrap="square">
+                <a:spAutoFit/>
+              </a:bodyPr>
+              <a:p>
+                <a:pPr marL="0" lvl="0" indent="0" algn="l" defTabSz="914400" rtl="0" eaLnBrk="1" latinLnBrk="1" hangingPunct="1">
+                  <a:lnSpc>
+                    <a:spcPct val="100000"/>
+                  </a:lnSpc>
+                  <a:spcBef>
+                    <a:spcPts val="0"/>
+                  </a:spcBef>
+                  <a:spcAft>
+                    <a:spcPts val="0"/>
+                  </a:spcAft>
+                  <a:buNone/>
+                  <a:defRPr/>
+                </a:pPr>
+                <a:r>
+                  <a:rPr xmlns:mc="http://schemas.openxmlformats.org/markup-compatibility/2006" xmlns:hp="http://schemas.haansoft.com/office/presentation/8.0" kumimoji="0" lang="en-US" altLang="ko-KR" sz="1800" b="0" i="0" u="none" strike="noStrike" kern="1200" cap="none" spc="0" normalizeH="0" baseline="0" mc:Ignorable="hp" hp:hslEmbossed="0">
+                    <a:solidFill>
+                      <a:srgbClr val="000000"/>
+                    </a:solidFill>
+                    <a:latin typeface="Calibri"/>
+                    <a:ea typeface="맑은 고딕"/>
+                    <a:cs typeface="Calibri"/>
+                  </a:rPr>
+                  <a:t>A</a:t>
+                </a:r>
+                <a:endParaRPr xmlns:mc="http://schemas.openxmlformats.org/markup-compatibility/2006" xmlns:hp="http://schemas.haansoft.com/office/presentation/8.0" kumimoji="0" lang="en-US" altLang="ko-KR" sz="1800" b="0" i="0" u="none" strike="noStrike" kern="1200" cap="none" spc="0" normalizeH="0" baseline="0" mc:Ignorable="hp" hp:hslEmbossed="0">
+                  <a:solidFill>
+                    <a:srgbClr val="000000"/>
+                  </a:solidFill>
+                  <a:latin typeface="Calibri"/>
+                  <a:ea typeface="맑은 고딕"/>
+                  <a:cs typeface="Calibri"/>
+                </a:endParaRPr>
+              </a:p>
+            </p:txBody>
+          </p:sp>
+          <p:sp>
+            <p:nvSpPr>
+              <p:cNvPr id="66" name="가로 글상자 19"/>
+              <p:cNvSpPr txBox="1"/>
+              <p:nvPr/>
+            </p:nvSpPr>
+            <p:spPr>
+              <a:xfrm>
+                <a:off x="4641053" y="2915685"/>
+                <a:ext cx="797337" cy="661293"/>
+              </a:xfrm>
+              <a:prstGeom prst="rect">
+                <a:avLst/>
+              </a:prstGeom>
+            </p:spPr>
+            <p:txBody>
+              <a:bodyPr wrap="square">
+                <a:spAutoFit/>
+              </a:bodyPr>
+              <a:p>
+                <a:pPr marL="0" lvl="0" indent="0" algn="l" defTabSz="914400" rtl="0" eaLnBrk="1" latinLnBrk="1" hangingPunct="1">
+                  <a:lnSpc>
+                    <a:spcPct val="100000"/>
+                  </a:lnSpc>
+                  <a:spcBef>
+                    <a:spcPts val="0"/>
+                  </a:spcBef>
+                  <a:spcAft>
+                    <a:spcPts val="0"/>
+                  </a:spcAft>
+                  <a:buNone/>
+                  <a:defRPr/>
+                </a:pPr>
+                <a:r>
+                  <a:rPr xmlns:mc="http://schemas.openxmlformats.org/markup-compatibility/2006" xmlns:hp="http://schemas.haansoft.com/office/presentation/8.0" kumimoji="0" lang="en-US" altLang="ko-KR" sz="1800" b="0" i="0" u="none" strike="noStrike" kern="1200" cap="none" spc="0" normalizeH="0" baseline="0" mc:Ignorable="hp" hp:hslEmbossed="0">
+                    <a:solidFill>
+                      <a:srgbClr val="000000"/>
+                    </a:solidFill>
+                    <a:latin typeface="Calibri"/>
+                    <a:ea typeface="맑은 고딕"/>
+                    <a:cs typeface="Calibri"/>
+                  </a:rPr>
+                  <a:t>C</a:t>
+                </a:r>
+                <a:endParaRPr xmlns:mc="http://schemas.openxmlformats.org/markup-compatibility/2006" xmlns:hp="http://schemas.haansoft.com/office/presentation/8.0" kumimoji="0" lang="en-US" altLang="ko-KR" sz="1800" b="0" i="0" u="none" strike="noStrike" kern="1200" cap="none" spc="0" normalizeH="0" baseline="0" mc:Ignorable="hp" hp:hslEmbossed="0">
+                  <a:solidFill>
+                    <a:srgbClr val="000000"/>
+                  </a:solidFill>
+                  <a:latin typeface="Calibri"/>
+                  <a:ea typeface="맑은 고딕"/>
+                  <a:cs typeface="Calibri"/>
+                </a:endParaRPr>
+              </a:p>
+            </p:txBody>
+          </p:sp>
+          <p:sp>
+            <p:nvSpPr>
+              <p:cNvPr id="67" name="가로 글상자 20"/>
+              <p:cNvSpPr txBox="1"/>
+              <p:nvPr/>
+            </p:nvSpPr>
+            <p:spPr>
+              <a:xfrm>
+                <a:off x="8495701" y="2915685"/>
+                <a:ext cx="804058" cy="661293"/>
+              </a:xfrm>
+              <a:prstGeom prst="rect">
+                <a:avLst/>
+              </a:prstGeom>
+            </p:spPr>
+            <p:txBody>
+              <a:bodyPr wrap="square">
+                <a:spAutoFit/>
+              </a:bodyPr>
+              <a:p>
+                <a:pPr marL="0" lvl="0" indent="0" algn="l" defTabSz="914400" rtl="0" eaLnBrk="1" latinLnBrk="1" hangingPunct="1">
+                  <a:lnSpc>
+                    <a:spcPct val="100000"/>
+                  </a:lnSpc>
+                  <a:spcBef>
+                    <a:spcPts val="0"/>
+                  </a:spcBef>
+                  <a:spcAft>
+                    <a:spcPts val="0"/>
+                  </a:spcAft>
+                  <a:buNone/>
+                  <a:defRPr/>
+                </a:pPr>
+                <a:r>
+                  <a:rPr xmlns:mc="http://schemas.openxmlformats.org/markup-compatibility/2006" xmlns:hp="http://schemas.haansoft.com/office/presentation/8.0" kumimoji="0" lang="en-US" altLang="ko-KR" sz="1800" b="0" i="0" u="none" strike="noStrike" kern="1200" cap="none" spc="0" normalizeH="0" baseline="0" mc:Ignorable="hp" hp:hslEmbossed="0">
+                    <a:solidFill>
+                      <a:srgbClr val="000000"/>
+                    </a:solidFill>
+                    <a:latin typeface="Calibri"/>
+                    <a:ea typeface="맑은 고딕"/>
+                    <a:cs typeface="Calibri"/>
+                  </a:rPr>
+                  <a:t>B</a:t>
+                </a:r>
+                <a:endParaRPr xmlns:mc="http://schemas.openxmlformats.org/markup-compatibility/2006" xmlns:hp="http://schemas.haansoft.com/office/presentation/8.0" kumimoji="0" lang="en-US" altLang="ko-KR" sz="1800" b="0" i="0" u="none" strike="noStrike" kern="1200" cap="none" spc="0" normalizeH="0" baseline="0" mc:Ignorable="hp" hp:hslEmbossed="0">
+                  <a:solidFill>
+                    <a:srgbClr val="000000"/>
+                  </a:solidFill>
+                  <a:latin typeface="Calibri"/>
+                  <a:ea typeface="맑은 고딕"/>
+                  <a:cs typeface="Calibri"/>
+                </a:endParaRPr>
+              </a:p>
+            </p:txBody>
+          </p:sp>
+        </p:grpSp>
+        <p:sp>
+          <p:nvSpPr>
+            <p:cNvPr id="68" name="직사각형 18"/>
+            <p:cNvSpPr/>
+            <p:nvPr/>
+          </p:nvSpPr>
+          <p:spPr>
+            <a:xfrm>
+              <a:off x="5674302" y="1343925"/>
+              <a:ext cx="1304503" cy="512483"/>
+            </a:xfrm>
+            <a:prstGeom prst="rect">
+              <a:avLst/>
+            </a:prstGeom>
+            <a:noFill/>
+            <a:ln w="19050" cap="flat" cmpd="sng" algn="ctr">
+              <a:solidFill>
+                <a:srgbClr val="ff843a">
+                  <a:alpha val="100000"/>
+                </a:srgbClr>
+              </a:solidFill>
+              <a:prstDash val="sysDash"/>
+            </a:ln>
+          </p:spPr>
+          <p:txBody>
+            <a:bodyPr anchor="ctr"/>
+            <a:p>
+              <a:pPr marL="0" lvl="0" indent="0" algn="ctr" defTabSz="914400" rtl="0" eaLnBrk="1" latinLnBrk="1" hangingPunct="1">
+                <a:lnSpc>
+                  <a:spcPct val="100000"/>
+                </a:lnSpc>
+                <a:spcBef>
+                  <a:spcPts val="0"/>
+                </a:spcBef>
+                <a:spcAft>
+                  <a:spcPts val="0"/>
+                </a:spcAft>
+                <a:buNone/>
+                <a:defRPr/>
+              </a:pPr>
+              <a:endParaRPr xmlns:mc="http://schemas.openxmlformats.org/markup-compatibility/2006" xmlns:hp="http://schemas.haansoft.com/office/presentation/8.0" kumimoji="0" lang="ko-KR" altLang="en-US" sz="1800" b="0" i="0" u="none" strike="noStrike" kern="1200" cap="none" spc="0" normalizeH="0" baseline="0" mc:Ignorable="hp" hp:hslEmbossed="0">
+                <a:solidFill>
+                  <a:srgbClr val="ffffff"/>
+                </a:solidFill>
+                <a:latin typeface="Calibri"/>
+                <a:ea typeface="맑은 고딕"/>
+                <a:cs typeface="맑은 고딕"/>
+              </a:endParaRPr>
+            </a:p>
+          </p:txBody>
+        </p:sp>
+      </p:grpSp>
+      <p:sp>
+        <p:nvSpPr>
+          <p:cNvPr id="69" name="가로 글상자 68"/>
+          <p:cNvSpPr txBox="1"/>
+          <p:nvPr/>
+        </p:nvSpPr>
+        <p:spPr>
+          <a:xfrm>
+            <a:off x="7351892" y="1196462"/>
+            <a:ext cx="4032368" cy="363733"/>
+          </a:xfrm>
+          <a:prstGeom prst="rect">
+            <a:avLst/>
+          </a:prstGeom>
+        </p:spPr>
+        <p:txBody>
+          <a:bodyPr wrap="square">
+            <a:spAutoFit/>
+          </a:bodyPr>
+          <a:p>
+            <a:pPr marL="0" lvl="0" indent="0" algn="l" defTabSz="914400" rtl="0" eaLnBrk="1" latinLnBrk="1" hangingPunct="1">
+              <a:lnSpc>
+                <a:spcPct val="100000"/>
+              </a:lnSpc>
+              <a:spcBef>
+                <a:spcPts val="0"/>
+              </a:spcBef>
+              <a:spcAft>
+                <a:spcPts val="0"/>
+              </a:spcAft>
+              <a:buNone/>
+              <a:defRPr/>
+            </a:pPr>
+            <a:r>
+              <a:rPr xmlns:mc="http://schemas.openxmlformats.org/markup-compatibility/2006" xmlns:hp="http://schemas.haansoft.com/office/presentation/8.0" kumimoji="0" lang="en-US" altLang="ko-KR" sz="1800" b="0" i="0" u="none" strike="noStrike" kern="1200" cap="none" spc="0" normalizeH="0" baseline="0" mc:Ignorable="hp" hp:hslEmbossed="0">
+                <a:solidFill>
+                  <a:srgbClr val="000000"/>
+                </a:solidFill>
+                <a:latin typeface="Calibri"/>
+                <a:ea typeface="맑은 고딕"/>
+                <a:cs typeface="맑은 고딕"/>
+              </a:rPr>
+              <a:t>A-&gt;C </a:t>
+            </a:r>
+            <a:r>
+              <a:rPr xmlns:mc="http://schemas.openxmlformats.org/markup-compatibility/2006" xmlns:hp="http://schemas.haansoft.com/office/presentation/8.0" kumimoji="0" lang="ko-KR" altLang="en-US" sz="1800" b="0" i="0" u="none" strike="noStrike" kern="1200" cap="none" spc="0" normalizeH="0" baseline="0" mc:Ignorable="hp" hp:hslEmbossed="0">
+                <a:solidFill>
+                  <a:srgbClr val="000000"/>
+                </a:solidFill>
+                <a:latin typeface="Calibri"/>
+                <a:ea typeface="맑은 고딕"/>
+                <a:cs typeface="맑은 고딕"/>
+              </a:rPr>
+              <a:t>로 블록을 이동 시키겠습니다</a:t>
+            </a:r>
+            <a:r>
+              <a:rPr xmlns:mc="http://schemas.openxmlformats.org/markup-compatibility/2006" xmlns:hp="http://schemas.haansoft.com/office/presentation/8.0" kumimoji="0" lang="en-US" altLang="ko-KR" sz="1800" b="0" i="0" u="none" strike="noStrike" kern="1200" cap="none" spc="0" normalizeH="0" baseline="0" mc:Ignorable="hp" hp:hslEmbossed="0">
+                <a:solidFill>
+                  <a:srgbClr val="000000"/>
+                </a:solidFill>
+                <a:latin typeface="Calibri"/>
+                <a:ea typeface="맑은 고딕"/>
+                <a:cs typeface="맑은 고딕"/>
+              </a:rPr>
+              <a:t>.</a:t>
+            </a:r>
+            <a:endParaRPr xmlns:mc="http://schemas.openxmlformats.org/markup-compatibility/2006" xmlns:hp="http://schemas.haansoft.com/office/presentation/8.0" kumimoji="0" lang="en-US" altLang="ko-KR" sz="1800" b="0" i="0" u="none" strike="noStrike" kern="1200" cap="none" spc="0" normalizeH="0" baseline="0" mc:Ignorable="hp" hp:hslEmbossed="0">
+              <a:solidFill>
+                <a:srgbClr val="000000"/>
+              </a:solidFill>
+              <a:latin typeface="Calibri"/>
+              <a:ea typeface="맑은 고딕"/>
+              <a:cs typeface="맑은 고딕"/>
+            </a:endParaRPr>
+          </a:p>
+        </p:txBody>
+      </p:sp>
+      <p:sp>
+        <p:nvSpPr>
+          <p:cNvPr id="73" name="오른쪽 화살표 72"/>
+          <p:cNvSpPr/>
+          <p:nvPr/>
+        </p:nvSpPr>
+        <p:spPr>
+          <a:xfrm rot="5400000">
+            <a:off x="3535191" y="2964634"/>
+            <a:ext cx="759641" cy="759641"/>
+          </a:xfrm>
+          <a:prstGeom prst="rightArrow">
+            <a:avLst>
+              <a:gd name="adj1" fmla="val 50000"/>
+              <a:gd name="adj2" fmla="val 50000"/>
+            </a:avLst>
+          </a:prstGeom>
+          <a:effectLst/>
+        </p:spPr>
+        <p:style>
+          <a:lnRef idx="3">
+            <a:schemeClr val="accent5"/>
+          </a:lnRef>
+          <a:fillRef idx="0">
+            <a:schemeClr val="accent5"/>
+          </a:fillRef>
+          <a:effectRef idx="3">
+            <a:schemeClr val="accent5"/>
+          </a:effectRef>
+          <a:fontRef idx="minor">
+            <a:schemeClr val="dk1"/>
+          </a:fontRef>
+        </p:style>
+        <p:txBody>
+          <a:bodyPr anchor="ctr"/>
+          <a:p>
+            <a:pPr lvl="0" algn="ctr">
+              <a:defRPr/>
+            </a:pPr>
+            <a:endParaRPr lang="ko-KR" altLang="en-US"/>
+          </a:p>
+        </p:txBody>
+      </p:sp>
+      <p:grpSp>
+        <p:nvGrpSpPr>
+          <p:cNvPr id="74" name="그룹 73"/>
+          <p:cNvGrpSpPr/>
+          <p:nvPr/>
+        </p:nvGrpSpPr>
+        <p:grpSpPr>
+          <a:xfrm rot="0">
+            <a:off x="838738" y="3958709"/>
+            <a:ext cx="6152547" cy="1572684"/>
+            <a:chOff x="1081559" y="779957"/>
+            <a:chExt cx="6152547" cy="1572684"/>
+          </a:xfrm>
+        </p:grpSpPr>
+        <p:grpSp>
+          <p:nvGrpSpPr>
+            <p:cNvPr id="75" name="그룹 7"/>
+            <p:cNvGrpSpPr/>
+            <p:nvPr/>
+          </p:nvGrpSpPr>
+          <p:grpSpPr>
+            <a:xfrm rot="0">
+              <a:off x="1081559" y="779957"/>
+              <a:ext cx="6152547" cy="1572684"/>
+              <a:chOff x="596651" y="2915679"/>
+              <a:chExt cx="11266289" cy="2879835"/>
+            </a:xfrm>
+          </p:grpSpPr>
+          <p:sp>
+            <p:nvSpPr>
+              <p:cNvPr id="76" name="직사각형 12"/>
+              <p:cNvSpPr/>
+              <p:nvPr/>
+            </p:nvSpPr>
+            <p:spPr>
+              <a:xfrm>
+                <a:off x="596651" y="2915691"/>
+                <a:ext cx="3490019" cy="2879824"/>
+              </a:xfrm>
+              <a:prstGeom prst="rect">
+                <a:avLst/>
+              </a:prstGeom>
+              <a:noFill/>
+              <a:ln w="28575" cap="flat" cmpd="sng" algn="ctr">
+                <a:solidFill>
+                  <a:srgbClr val="ff0000">
+                    <a:alpha val="100000"/>
+                  </a:srgbClr>
+                </a:solidFill>
+                <a:prstDash val="sysDash"/>
+              </a:ln>
+            </p:spPr>
+            <p:txBody>
+              <a:bodyPr anchor="ctr"/>
+              <a:p>
+                <a:pPr marL="0" lvl="0" indent="0" algn="ctr" defTabSz="914400" rtl="0" eaLnBrk="1" latinLnBrk="1" hangingPunct="1">
+                  <a:lnSpc>
+                    <a:spcPct val="100000"/>
+                  </a:lnSpc>
+                  <a:spcBef>
+                    <a:spcPts val="0"/>
+                  </a:spcBef>
+                  <a:spcAft>
+                    <a:spcPts val="0"/>
+                  </a:spcAft>
+                  <a:buNone/>
+                  <a:defRPr/>
+                </a:pPr>
+                <a:endParaRPr xmlns:mc="http://schemas.openxmlformats.org/markup-compatibility/2006" xmlns:hp="http://schemas.haansoft.com/office/presentation/8.0" kumimoji="0" lang="ko-KR" altLang="en-US" sz="1800" b="0" i="0" u="none" strike="noStrike" kern="1200" cap="none" spc="0" normalizeH="0" baseline="0" mc:Ignorable="hp" hp:hslEmbossed="0">
+                  <a:solidFill>
+                    <a:srgbClr val="ffffff"/>
+                  </a:solidFill>
+                  <a:latin typeface="Calibri"/>
+                  <a:ea typeface="맑은 고딕"/>
+                  <a:cs typeface="맑은 고딕"/>
+                </a:endParaRPr>
+              </a:p>
+            </p:txBody>
+          </p:sp>
+          <p:sp>
+            <p:nvSpPr>
+              <p:cNvPr id="77" name="직사각형 13"/>
+              <p:cNvSpPr/>
+              <p:nvPr/>
+            </p:nvSpPr>
+            <p:spPr>
+              <a:xfrm>
+                <a:off x="4484786" y="2915691"/>
+                <a:ext cx="3490019" cy="2879824"/>
+              </a:xfrm>
+              <a:prstGeom prst="rect">
+                <a:avLst/>
+              </a:prstGeom>
+              <a:noFill/>
+              <a:ln w="28575" cap="flat" cmpd="sng" algn="ctr">
+                <a:solidFill>
+                  <a:srgbClr val="ff0000">
+                    <a:alpha val="100000"/>
+                  </a:srgbClr>
+                </a:solidFill>
+                <a:prstDash val="sysDash"/>
+              </a:ln>
+            </p:spPr>
+            <p:txBody>
+              <a:bodyPr anchor="ctr"/>
+              <a:p>
+                <a:pPr marL="0" lvl="0" indent="0" algn="ctr" defTabSz="914400" rtl="0" eaLnBrk="1" latinLnBrk="1" hangingPunct="1">
+                  <a:lnSpc>
+                    <a:spcPct val="100000"/>
+                  </a:lnSpc>
+                  <a:spcBef>
+                    <a:spcPts val="0"/>
+                  </a:spcBef>
+                  <a:spcAft>
+                    <a:spcPts val="0"/>
+                  </a:spcAft>
+                  <a:buNone/>
+                  <a:defRPr/>
+                </a:pPr>
+                <a:endParaRPr xmlns:mc="http://schemas.openxmlformats.org/markup-compatibility/2006" xmlns:hp="http://schemas.haansoft.com/office/presentation/8.0" kumimoji="0" lang="ko-KR" altLang="en-US" sz="1800" b="0" i="0" u="none" strike="noStrike" kern="1200" cap="none" spc="0" normalizeH="0" baseline="0" mc:Ignorable="hp" hp:hslEmbossed="0">
+                  <a:solidFill>
+                    <a:srgbClr val="ffffff"/>
+                  </a:solidFill>
+                  <a:latin typeface="Calibri"/>
+                  <a:ea typeface="맑은 고딕"/>
+                  <a:cs typeface="맑은 고딕"/>
+                </a:endParaRPr>
+              </a:p>
+            </p:txBody>
+          </p:sp>
+          <p:sp>
+            <p:nvSpPr>
+              <p:cNvPr id="78" name="직사각형 14"/>
+              <p:cNvSpPr/>
+              <p:nvPr/>
+            </p:nvSpPr>
+            <p:spPr>
+              <a:xfrm>
+                <a:off x="8372921" y="2915691"/>
+                <a:ext cx="3490019" cy="2879824"/>
+              </a:xfrm>
+              <a:prstGeom prst="rect">
+                <a:avLst/>
+              </a:prstGeom>
+              <a:noFill/>
+              <a:ln w="28575" cap="flat" cmpd="sng" algn="ctr">
+                <a:solidFill>
+                  <a:srgbClr val="ff0000">
+                    <a:alpha val="100000"/>
+                  </a:srgbClr>
+                </a:solidFill>
+                <a:prstDash val="sysDash"/>
+              </a:ln>
+            </p:spPr>
+            <p:txBody>
+              <a:bodyPr anchor="ctr"/>
+              <a:p>
+                <a:pPr marL="0" lvl="0" indent="0" algn="ctr" defTabSz="914400" rtl="0" eaLnBrk="1" latinLnBrk="1" hangingPunct="1">
+                  <a:lnSpc>
+                    <a:spcPct val="100000"/>
+                  </a:lnSpc>
+                  <a:spcBef>
+                    <a:spcPts val="0"/>
+                  </a:spcBef>
+                  <a:spcAft>
+                    <a:spcPts val="0"/>
+                  </a:spcAft>
+                  <a:buNone/>
+                  <a:defRPr/>
+                </a:pPr>
+                <a:endParaRPr xmlns:mc="http://schemas.openxmlformats.org/markup-compatibility/2006" xmlns:hp="http://schemas.haansoft.com/office/presentation/8.0" kumimoji="0" lang="ko-KR" altLang="en-US" sz="1800" b="0" i="0" u="none" strike="noStrike" kern="1200" cap="none" spc="0" normalizeH="0" baseline="0" mc:Ignorable="hp" hp:hslEmbossed="0">
+                  <a:solidFill>
+                    <a:srgbClr val="ffffff"/>
+                  </a:solidFill>
+                  <a:latin typeface="Calibri"/>
+                  <a:ea typeface="맑은 고딕"/>
+                  <a:cs typeface="맑은 고딕"/>
+                </a:endParaRPr>
+              </a:p>
+            </p:txBody>
+          </p:sp>
+          <p:sp>
+            <p:nvSpPr>
+              <p:cNvPr id="80" name="직사각형 7"/>
+              <p:cNvSpPr/>
+              <p:nvPr/>
+            </p:nvSpPr>
+            <p:spPr>
+              <a:xfrm>
+                <a:off x="9426632" y="4534261"/>
+                <a:ext cx="1599902" cy="372070"/>
+              </a:xfrm>
+              <a:prstGeom prst="rect">
+                <a:avLst/>
+              </a:prstGeom>
+              <a:solidFill>
+                <a:srgbClr val="289b6e">
+                  <a:alpha val="100000"/>
+                </a:srgbClr>
+              </a:solidFill>
+              <a:ln w="19050" cap="flat" cmpd="sng" algn="ctr">
+                <a:solidFill>
+                  <a:srgbClr val="134a34">
+                    <a:alpha val="100000"/>
+                  </a:srgbClr>
+                </a:solidFill>
+                <a:prstDash val="solid"/>
+              </a:ln>
+            </p:spPr>
+            <p:txBody>
+              <a:bodyPr anchor="ctr"/>
+              <a:p>
+                <a:pPr marL="0" lvl="0" indent="0" algn="ctr" defTabSz="914400" rtl="0" eaLnBrk="1" latinLnBrk="1" hangingPunct="1">
+                  <a:lnSpc>
+                    <a:spcPct val="100000"/>
+                  </a:lnSpc>
+                  <a:spcBef>
+                    <a:spcPts val="0"/>
+                  </a:spcBef>
+                  <a:spcAft>
+                    <a:spcPts val="0"/>
+                  </a:spcAft>
+                  <a:buNone/>
+                  <a:defRPr/>
+                </a:pPr>
+                <a:endParaRPr xmlns:mc="http://schemas.openxmlformats.org/markup-compatibility/2006" xmlns:hp="http://schemas.haansoft.com/office/presentation/8.0" kumimoji="0" lang="ko-KR" altLang="en-US" sz="1800" b="0" i="0" u="none" strike="noStrike" kern="1200" cap="none" spc="0" normalizeH="0" baseline="0" mc:Ignorable="hp" hp:hslEmbossed="0">
+                  <a:solidFill>
+                    <a:srgbClr val="ffffff"/>
+                  </a:solidFill>
+                  <a:latin typeface="Calibri"/>
+                  <a:ea typeface="맑은 고딕"/>
+                  <a:cs typeface="맑은 고딕"/>
+                </a:endParaRPr>
+              </a:p>
+            </p:txBody>
+          </p:sp>
+          <p:sp>
+            <p:nvSpPr>
+              <p:cNvPr id="81" name="직사각형 8"/>
+              <p:cNvSpPr/>
+              <p:nvPr/>
+            </p:nvSpPr>
+            <p:spPr>
+              <a:xfrm>
+                <a:off x="9746614" y="4162188"/>
+                <a:ext cx="959941" cy="372070"/>
+              </a:xfrm>
+              <a:prstGeom prst="rect">
+                <a:avLst/>
+              </a:prstGeom>
+              <a:solidFill>
+                <a:srgbClr val="9d5cbb">
+                  <a:alpha val="100000"/>
+                </a:srgbClr>
+              </a:solidFill>
+              <a:ln w="19050" cap="flat" cmpd="sng" algn="ctr">
+                <a:solidFill>
+                  <a:srgbClr val="4b2b59">
+                    <a:alpha val="100000"/>
+                  </a:srgbClr>
+                </a:solidFill>
+                <a:prstDash val="solid"/>
+              </a:ln>
+            </p:spPr>
+            <p:txBody>
+              <a:bodyPr anchor="ctr"/>
+              <a:p>
+                <a:pPr marL="0" lvl="0" indent="0" algn="ctr" defTabSz="914400" rtl="0" eaLnBrk="1" latinLnBrk="1" hangingPunct="1">
+                  <a:lnSpc>
+                    <a:spcPct val="100000"/>
+                  </a:lnSpc>
+                  <a:spcBef>
+                    <a:spcPts val="0"/>
+                  </a:spcBef>
+                  <a:spcAft>
+                    <a:spcPts val="0"/>
+                  </a:spcAft>
+                  <a:buNone/>
+                  <a:defRPr/>
+                </a:pPr>
+                <a:endParaRPr xmlns:mc="http://schemas.openxmlformats.org/markup-compatibility/2006" xmlns:hp="http://schemas.haansoft.com/office/presentation/8.0" kumimoji="0" lang="ko-KR" altLang="en-US" sz="1800" b="0" i="0" u="none" strike="noStrike" kern="1200" cap="none" spc="0" normalizeH="0" baseline="0" mc:Ignorable="hp" hp:hslEmbossed="0">
+                  <a:solidFill>
+                    <a:srgbClr val="ffffff"/>
+                  </a:solidFill>
+                  <a:latin typeface="Calibri"/>
+                  <a:ea typeface="맑은 고딕"/>
+                  <a:cs typeface="맑은 고딕"/>
+                </a:endParaRPr>
+              </a:p>
+            </p:txBody>
+          </p:sp>
+          <p:sp>
+            <p:nvSpPr>
+              <p:cNvPr id="82" name="가로 글상자 15"/>
+              <p:cNvSpPr txBox="1"/>
+              <p:nvPr/>
+            </p:nvSpPr>
+            <p:spPr>
+              <a:xfrm>
+                <a:off x="704691" y="2915682"/>
+                <a:ext cx="1534769" cy="666055"/>
+              </a:xfrm>
+              <a:prstGeom prst="rect">
+                <a:avLst/>
+              </a:prstGeom>
+            </p:spPr>
+            <p:txBody>
+              <a:bodyPr wrap="square">
+                <a:spAutoFit/>
+              </a:bodyPr>
+              <a:p>
+                <a:pPr marL="0" lvl="0" indent="0" algn="l" defTabSz="914400" rtl="0" eaLnBrk="1" latinLnBrk="1" hangingPunct="1">
+                  <a:lnSpc>
+                    <a:spcPct val="100000"/>
+                  </a:lnSpc>
+                  <a:spcBef>
+                    <a:spcPts val="0"/>
+                  </a:spcBef>
+                  <a:spcAft>
+                    <a:spcPts val="0"/>
+                  </a:spcAft>
+                  <a:buNone/>
+                  <a:defRPr/>
+                </a:pPr>
+                <a:r>
+                  <a:rPr xmlns:mc="http://schemas.openxmlformats.org/markup-compatibility/2006" xmlns:hp="http://schemas.haansoft.com/office/presentation/8.0" kumimoji="0" lang="en-US" altLang="ko-KR" sz="1800" b="0" i="0" u="none" strike="noStrike" kern="1200" cap="none" spc="0" normalizeH="0" baseline="0" mc:Ignorable="hp" hp:hslEmbossed="0">
+                    <a:solidFill>
+                      <a:srgbClr val="000000"/>
+                    </a:solidFill>
+                    <a:latin typeface="Calibri"/>
+                    <a:ea typeface="맑은 고딕"/>
+                    <a:cs typeface="Calibri"/>
+                  </a:rPr>
+                  <a:t>B</a:t>
+                </a:r>
+                <a:endParaRPr xmlns:mc="http://schemas.openxmlformats.org/markup-compatibility/2006" xmlns:hp="http://schemas.haansoft.com/office/presentation/8.0" kumimoji="0" lang="en-US" altLang="ko-KR" sz="1800" b="0" i="0" u="none" strike="noStrike" kern="1200" cap="none" spc="0" normalizeH="0" baseline="0" mc:Ignorable="hp" hp:hslEmbossed="0">
+                  <a:solidFill>
+                    <a:srgbClr val="000000"/>
+                  </a:solidFill>
+                  <a:latin typeface="Calibri"/>
+                  <a:ea typeface="맑은 고딕"/>
+                  <a:cs typeface="Calibri"/>
+                </a:endParaRPr>
+              </a:p>
+            </p:txBody>
+          </p:sp>
+          <p:sp>
+            <p:nvSpPr>
+              <p:cNvPr id="83" name="가로 글상자 19"/>
+              <p:cNvSpPr txBox="1"/>
+              <p:nvPr/>
+            </p:nvSpPr>
+            <p:spPr>
+              <a:xfrm>
+                <a:off x="4641050" y="2915679"/>
+                <a:ext cx="797337" cy="666058"/>
+              </a:xfrm>
+              <a:prstGeom prst="rect">
+                <a:avLst/>
+              </a:prstGeom>
+            </p:spPr>
+            <p:txBody>
+              <a:bodyPr wrap="square">
+                <a:spAutoFit/>
+              </a:bodyPr>
+              <a:p>
+                <a:pPr marL="0" lvl="0" indent="0" algn="l" defTabSz="914400" rtl="0" eaLnBrk="1" latinLnBrk="1" hangingPunct="1">
+                  <a:lnSpc>
+                    <a:spcPct val="100000"/>
+                  </a:lnSpc>
+                  <a:spcBef>
+                    <a:spcPts val="0"/>
+                  </a:spcBef>
+                  <a:spcAft>
+                    <a:spcPts val="0"/>
+                  </a:spcAft>
+                  <a:buNone/>
+                  <a:defRPr/>
+                </a:pPr>
+                <a:r>
+                  <a:rPr xmlns:mc="http://schemas.openxmlformats.org/markup-compatibility/2006" xmlns:hp="http://schemas.haansoft.com/office/presentation/8.0" kumimoji="0" lang="en-US" altLang="ko-KR" sz="1800" b="0" i="0" u="none" strike="noStrike" kern="1200" cap="none" spc="0" normalizeH="0" baseline="0" mc:Ignorable="hp" hp:hslEmbossed="0">
+                    <a:solidFill>
+                      <a:srgbClr val="000000"/>
+                    </a:solidFill>
+                    <a:latin typeface="Calibri"/>
+                    <a:ea typeface="맑은 고딕"/>
+                    <a:cs typeface="Calibri"/>
+                  </a:rPr>
+                  <a:t>C</a:t>
+                </a:r>
+                <a:endParaRPr xmlns:mc="http://schemas.openxmlformats.org/markup-compatibility/2006" xmlns:hp="http://schemas.haansoft.com/office/presentation/8.0" kumimoji="0" lang="en-US" altLang="ko-KR" sz="1800" b="0" i="0" u="none" strike="noStrike" kern="1200" cap="none" spc="0" normalizeH="0" baseline="0" mc:Ignorable="hp" hp:hslEmbossed="0">
+                  <a:solidFill>
+                    <a:srgbClr val="000000"/>
+                  </a:solidFill>
+                  <a:latin typeface="Calibri"/>
+                  <a:ea typeface="맑은 고딕"/>
+                  <a:cs typeface="Calibri"/>
+                </a:endParaRPr>
+              </a:p>
+            </p:txBody>
+          </p:sp>
+          <p:sp>
+            <p:nvSpPr>
+              <p:cNvPr id="84" name="가로 글상자 20"/>
+              <p:cNvSpPr txBox="1"/>
+              <p:nvPr/>
+            </p:nvSpPr>
+            <p:spPr>
+              <a:xfrm>
+                <a:off x="8495700" y="2915679"/>
+                <a:ext cx="804058" cy="666058"/>
+              </a:xfrm>
+              <a:prstGeom prst="rect">
+                <a:avLst/>
+              </a:prstGeom>
+            </p:spPr>
+            <p:txBody>
+              <a:bodyPr wrap="square">
+                <a:spAutoFit/>
+              </a:bodyPr>
+              <a:p>
+                <a:pPr marL="0" lvl="0" indent="0" algn="l" defTabSz="914400" rtl="0" eaLnBrk="1" latinLnBrk="1" hangingPunct="1">
+                  <a:lnSpc>
+                    <a:spcPct val="100000"/>
+                  </a:lnSpc>
+                  <a:spcBef>
+                    <a:spcPts val="0"/>
+                  </a:spcBef>
+                  <a:spcAft>
+                    <a:spcPts val="0"/>
+                  </a:spcAft>
+                  <a:buNone/>
+                  <a:defRPr/>
+                </a:pPr>
+                <a:r>
+                  <a:rPr xmlns:mc="http://schemas.openxmlformats.org/markup-compatibility/2006" xmlns:hp="http://schemas.haansoft.com/office/presentation/8.0" kumimoji="0" lang="en-US" altLang="ko-KR" sz="1800" b="0" i="0" u="none" strike="noStrike" kern="1200" cap="none" spc="0" normalizeH="0" baseline="0" mc:Ignorable="hp" hp:hslEmbossed="0">
+                    <a:solidFill>
+                      <a:srgbClr val="000000"/>
+                    </a:solidFill>
+                    <a:latin typeface="Calibri"/>
+                    <a:ea typeface="맑은 고딕"/>
+                    <a:cs typeface="Calibri"/>
+                  </a:rPr>
+                  <a:t>A</a:t>
+                </a:r>
+                <a:endParaRPr xmlns:mc="http://schemas.openxmlformats.org/markup-compatibility/2006" xmlns:hp="http://schemas.haansoft.com/office/presentation/8.0" kumimoji="0" lang="en-US" altLang="ko-KR" sz="1800" b="0" i="0" u="none" strike="noStrike" kern="1200" cap="none" spc="0" normalizeH="0" baseline="0" mc:Ignorable="hp" hp:hslEmbossed="0">
+                  <a:solidFill>
+                    <a:srgbClr val="000000"/>
+                  </a:solidFill>
+                  <a:latin typeface="Calibri"/>
+                  <a:ea typeface="맑은 고딕"/>
+                  <a:cs typeface="Calibri"/>
+                </a:endParaRPr>
+              </a:p>
+            </p:txBody>
+          </p:sp>
+          <p:sp>
+            <p:nvSpPr>
+              <p:cNvPr id="88" name="직사각형 6"/>
+              <p:cNvSpPr/>
+              <p:nvPr/>
+            </p:nvSpPr>
+            <p:spPr>
+              <a:xfrm>
+                <a:off x="5124747" y="4355596"/>
+                <a:ext cx="2210096" cy="372070"/>
+              </a:xfrm>
+              <a:prstGeom prst="rect">
+                <a:avLst/>
+              </a:prstGeom>
+              <a:solidFill>
+                <a:srgbClr val="ffd700">
+                  <a:alpha val="11000"/>
+                </a:srgbClr>
+              </a:solidFill>
+              <a:ln w="19050" cap="flat" cmpd="sng" algn="ctr">
+                <a:solidFill>
+                  <a:srgbClr val="7a6700">
+                    <a:alpha val="100000"/>
+                  </a:srgbClr>
+                </a:solidFill>
+                <a:prstDash val="sysDot"/>
+              </a:ln>
+            </p:spPr>
+            <p:txBody>
+              <a:bodyPr anchor="ctr"/>
+              <a:p>
+                <a:pPr marL="0" lvl="0" indent="0" algn="ctr" defTabSz="914400" rtl="0" eaLnBrk="1" latinLnBrk="1" hangingPunct="1">
+                  <a:lnSpc>
+                    <a:spcPct val="100000"/>
+                  </a:lnSpc>
+                  <a:spcBef>
+                    <a:spcPts val="0"/>
+                  </a:spcBef>
+                  <a:spcAft>
+                    <a:spcPts val="0"/>
+                  </a:spcAft>
+                  <a:buNone/>
+                  <a:defRPr/>
+                </a:pPr>
+                <a:endParaRPr xmlns:mc="http://schemas.openxmlformats.org/markup-compatibility/2006" xmlns:hp="http://schemas.haansoft.com/office/presentation/8.0" kumimoji="0" lang="ko-KR" altLang="en-US" sz="1800" b="0" i="0" u="none" strike="noStrike" kern="1200" cap="none" spc="0" normalizeH="0" baseline="0" mc:Ignorable="hp" hp:hslEmbossed="0">
+                  <a:solidFill>
+                    <a:srgbClr val="ffffff"/>
+                  </a:solidFill>
+                  <a:latin typeface="Calibri"/>
+                  <a:ea typeface="맑은 고딕"/>
+                  <a:cs typeface="맑은 고딕"/>
+                </a:endParaRPr>
+              </a:p>
+            </p:txBody>
+          </p:sp>
+        </p:grpSp>
+        <p:sp>
+          <p:nvSpPr>
+            <p:cNvPr id="85" name="직사각형 18"/>
+            <p:cNvSpPr/>
+            <p:nvPr/>
+          </p:nvSpPr>
+          <p:spPr>
+            <a:xfrm>
+              <a:off x="5686570" y="1343925"/>
+              <a:ext cx="1304503" cy="512483"/>
+            </a:xfrm>
+            <a:prstGeom prst="rect">
+              <a:avLst/>
+            </a:prstGeom>
+            <a:noFill/>
+            <a:ln w="19050" cap="flat" cmpd="sng" algn="ctr">
+              <a:solidFill>
+                <a:srgbClr val="ff843a">
+                  <a:alpha val="100000"/>
+                </a:srgbClr>
+              </a:solidFill>
+              <a:prstDash val="sysDash"/>
+            </a:ln>
+          </p:spPr>
+          <p:txBody>
+            <a:bodyPr anchor="ctr"/>
+            <a:p>
+              <a:pPr marL="0" lvl="0" indent="0" algn="ctr" defTabSz="914400" rtl="0" eaLnBrk="1" latinLnBrk="1" hangingPunct="1">
+                <a:lnSpc>
+                  <a:spcPct val="100000"/>
+                </a:lnSpc>
+                <a:spcBef>
+                  <a:spcPts val="0"/>
+                </a:spcBef>
+                <a:spcAft>
+                  <a:spcPts val="0"/>
+                </a:spcAft>
+                <a:buNone/>
+                <a:defRPr/>
+              </a:pPr>
+              <a:endParaRPr xmlns:mc="http://schemas.openxmlformats.org/markup-compatibility/2006" xmlns:hp="http://schemas.haansoft.com/office/presentation/8.0" kumimoji="0" lang="ko-KR" altLang="en-US" sz="1800" b="0" i="0" u="none" strike="noStrike" kern="1200" cap="none" spc="0" normalizeH="0" baseline="0" mc:Ignorable="hp" hp:hslEmbossed="0">
+                <a:solidFill>
+                  <a:srgbClr val="ffffff"/>
+                </a:solidFill>
+                <a:latin typeface="Calibri"/>
+                <a:ea typeface="맑은 고딕"/>
+                <a:cs typeface="맑은 고딕"/>
+              </a:endParaRPr>
+            </a:p>
+          </p:txBody>
+        </p:sp>
+      </p:grpSp>
+      <p:sp>
+        <p:nvSpPr>
+          <p:cNvPr id="86" name="가로 글상자 85"/>
+          <p:cNvSpPr txBox="1"/>
+          <p:nvPr/>
+        </p:nvSpPr>
+        <p:spPr>
+          <a:xfrm>
+            <a:off x="7351892" y="3958712"/>
+            <a:ext cx="4032368" cy="2011558"/>
+          </a:xfrm>
+          <a:prstGeom prst="rect">
+            <a:avLst/>
+          </a:prstGeom>
+        </p:spPr>
+        <p:txBody>
+          <a:bodyPr wrap="square">
+            <a:spAutoFit/>
+          </a:bodyPr>
+          <a:p>
+            <a:pPr marL="0" lvl="0" indent="0" algn="l" defTabSz="914400" rtl="0" eaLnBrk="1" latinLnBrk="1" hangingPunct="1">
+              <a:lnSpc>
+                <a:spcPct val="100000"/>
+              </a:lnSpc>
+              <a:spcBef>
+                <a:spcPts val="0"/>
+              </a:spcBef>
+              <a:spcAft>
+                <a:spcPts val="0"/>
+              </a:spcAft>
+              <a:buNone/>
+              <a:defRPr/>
+            </a:pPr>
+            <a:r>
+              <a:rPr xmlns:mc="http://schemas.openxmlformats.org/markup-compatibility/2006" xmlns:hp="http://schemas.haansoft.com/office/presentation/8.0" kumimoji="0" lang="ko-KR" altLang="en-US" sz="1800" b="0" i="0" u="none" strike="noStrike" kern="1200" cap="none" spc="0" normalizeH="0" baseline="0" mc:Ignorable="hp" hp:hslEmbossed="0">
+                <a:solidFill>
+                  <a:srgbClr val="000000"/>
+                </a:solidFill>
+                <a:latin typeface="Calibri"/>
+                <a:ea typeface="맑은 고딕"/>
+                <a:cs typeface="맑은 고딕"/>
+              </a:rPr>
+              <a:t>위에서 </a:t>
+            </a:r>
+            <a:r>
+              <a:rPr xmlns:mc="http://schemas.openxmlformats.org/markup-compatibility/2006" xmlns:hp="http://schemas.haansoft.com/office/presentation/8.0" kumimoji="0" lang="en-US" altLang="ko-KR" sz="1800" b="0" i="0" u="none" strike="noStrike" kern="1200" cap="none" spc="0" normalizeH="0" baseline="0" mc:Ignorable="hp" hp:hslEmbossed="0">
+                <a:solidFill>
+                  <a:srgbClr val="000000"/>
+                </a:solidFill>
+                <a:latin typeface="Calibri"/>
+                <a:ea typeface="맑은 고딕"/>
+                <a:cs typeface="맑은 고딕"/>
+              </a:rPr>
+              <a:t>B</a:t>
+            </a:r>
+            <a:r>
+              <a:rPr xmlns:mc="http://schemas.openxmlformats.org/markup-compatibility/2006" xmlns:hp="http://schemas.haansoft.com/office/presentation/8.0" kumimoji="0" lang="ko-KR" altLang="en-US" sz="1800" b="0" i="0" u="none" strike="noStrike" kern="1200" cap="none" spc="0" normalizeH="0" baseline="0" mc:Ignorable="hp" hp:hslEmbossed="0">
+                <a:solidFill>
+                  <a:srgbClr val="000000"/>
+                </a:solidFill>
+                <a:latin typeface="Calibri"/>
+                <a:ea typeface="맑은 고딕"/>
+                <a:cs typeface="맑은 고딕"/>
+              </a:rPr>
+              <a:t>공간에 </a:t>
+            </a:r>
+            <a:r>
+              <a:rPr xmlns:mc="http://schemas.openxmlformats.org/markup-compatibility/2006" xmlns:hp="http://schemas.haansoft.com/office/presentation/8.0" kumimoji="0" lang="ko-KR" altLang="en-US" b="0" i="0" u="none" strike="noStrike" kern="1200" cap="none" spc="0" normalizeH="0" baseline="0" mc:Ignorable="hp" hp:hslEmbossed="0">
+                <a:solidFill>
+                  <a:srgbClr val="000000"/>
+                </a:solidFill>
+                <a:latin typeface="Calibri"/>
+                <a:ea typeface="맑은 고딕"/>
+                <a:cs typeface="맑은 고딕"/>
+              </a:rPr>
+              <a:t>원판</a:t>
+            </a:r>
+            <a:r>
+              <a:rPr xmlns:mc="http://schemas.openxmlformats.org/markup-compatibility/2006" xmlns:hp="http://schemas.haansoft.com/office/presentation/8.0" kumimoji="0" lang="ko-KR" altLang="en-US" sz="1800" b="0" i="0" u="none" strike="noStrike" kern="1200" cap="none" spc="0" normalizeH="0" baseline="0" mc:Ignorable="hp" hp:hslEmbossed="0">
+                <a:solidFill>
+                  <a:srgbClr val="000000"/>
+                </a:solidFill>
+                <a:latin typeface="Calibri"/>
+                <a:ea typeface="맑은 고딕"/>
+                <a:cs typeface="맑은 고딕"/>
+              </a:rPr>
+              <a:t>이 있지만 </a:t>
+            </a:r>
+            <a:r>
+              <a:rPr xmlns:mc="http://schemas.openxmlformats.org/markup-compatibility/2006" xmlns:hp="http://schemas.haansoft.com/office/presentation/8.0" kumimoji="0" lang="en-US" altLang="ko-KR" sz="1800" b="0" i="0" u="none" strike="noStrike" kern="1200" cap="none" spc="0" normalizeH="0" baseline="0" mc:Ignorable="hp" hp:hslEmbossed="0">
+                <a:solidFill>
+                  <a:srgbClr val="000000"/>
+                </a:solidFill>
+                <a:latin typeface="Calibri"/>
+                <a:ea typeface="맑은 고딕"/>
+                <a:cs typeface="맑은 고딕"/>
+              </a:rPr>
+              <a:t>B</a:t>
+            </a:r>
+            <a:r>
+              <a:rPr xmlns:mc="http://schemas.openxmlformats.org/markup-compatibility/2006" xmlns:hp="http://schemas.haansoft.com/office/presentation/8.0" kumimoji="0" lang="ko-KR" altLang="en-US" sz="1800" b="0" i="0" u="none" strike="noStrike" kern="1200" cap="none" spc="0" normalizeH="0" baseline="0" mc:Ignorable="hp" hp:hslEmbossed="0">
+                <a:solidFill>
+                  <a:srgbClr val="000000"/>
+                </a:solidFill>
+                <a:latin typeface="Calibri"/>
+                <a:ea typeface="맑은 고딕"/>
+                <a:cs typeface="맑은 고딕"/>
+              </a:rPr>
+              <a:t>를 </a:t>
+            </a:r>
+            <a:r>
+              <a:rPr xmlns:mc="http://schemas.openxmlformats.org/markup-compatibility/2006" xmlns:hp="http://schemas.haansoft.com/office/presentation/8.0" kumimoji="0" lang="en-US" altLang="ko-KR" sz="1800" b="0" i="0" u="none" strike="noStrike" kern="1200" cap="none" spc="0" normalizeH="0" baseline="0" mc:Ignorable="hp" hp:hslEmbossed="0">
+                <a:solidFill>
+                  <a:srgbClr val="000000"/>
+                </a:solidFill>
+                <a:latin typeface="Calibri"/>
+                <a:ea typeface="맑은 고딕"/>
+                <a:cs typeface="맑은 고딕"/>
+              </a:rPr>
+              <a:t>A</a:t>
+            </a:r>
+            <a:r>
+              <a:rPr xmlns:mc="http://schemas.openxmlformats.org/markup-compatibility/2006" xmlns:hp="http://schemas.haansoft.com/office/presentation/8.0" kumimoji="0" lang="ko-KR" altLang="en-US" sz="1800" b="0" i="0" u="none" strike="noStrike" kern="1200" cap="none" spc="0" normalizeH="0" baseline="0" mc:Ignorable="hp" hp:hslEmbossed="0">
+                <a:solidFill>
+                  <a:srgbClr val="000000"/>
+                </a:solidFill>
+                <a:latin typeface="Calibri"/>
+                <a:ea typeface="맑은 고딕"/>
+                <a:cs typeface="맑은 고딕"/>
+              </a:rPr>
+              <a:t>로 생각해도 로직에 문제가 없음</a:t>
+            </a:r>
+            <a:br>
+              <a:rPr xmlns:mc="http://schemas.openxmlformats.org/markup-compatibility/2006" xmlns:hp="http://schemas.haansoft.com/office/presentation/8.0" kumimoji="0" lang="ko-KR" altLang="en-US" sz="1800" b="0" i="0" u="none" strike="noStrike" kern="1200" cap="none" spc="0" normalizeH="0" baseline="0" mc:Ignorable="hp" hp:hslEmbossed="0">
+                <a:solidFill>
+                  <a:srgbClr val="000000"/>
+                </a:solidFill>
+                <a:latin typeface="Calibri"/>
+                <a:ea typeface="맑은 고딕"/>
+                <a:cs typeface="맑은 고딕"/>
+              </a:rPr>
+            </a:br>
+            <a:br>
+              <a:rPr xmlns:mc="http://schemas.openxmlformats.org/markup-compatibility/2006" xmlns:hp="http://schemas.haansoft.com/office/presentation/8.0" kumimoji="0" lang="ko-KR" altLang="en-US" sz="1800" b="0" i="0" u="none" strike="noStrike" kern="1200" cap="none" spc="0" normalizeH="0" baseline="0" mc:Ignorable="hp" hp:hslEmbossed="0">
+                <a:solidFill>
+                  <a:srgbClr val="000000"/>
+                </a:solidFill>
+                <a:latin typeface="Calibri"/>
+                <a:ea typeface="맑은 고딕"/>
+                <a:cs typeface="맑은 고딕"/>
+              </a:rPr>
+            </a:br>
+            <a:r>
+              <a:rPr xmlns:mc="http://schemas.openxmlformats.org/markup-compatibility/2006" xmlns:hp="http://schemas.haansoft.com/office/presentation/8.0" kumimoji="0" lang="en-US" altLang="ko-KR" sz="1800" b="0" i="0" u="none" strike="noStrike" kern="1200" cap="none" spc="0" normalizeH="0" baseline="0" mc:Ignorable="hp" hp:hslEmbossed="0">
+                <a:solidFill>
+                  <a:srgbClr val="000000"/>
+                </a:solidFill>
+                <a:latin typeface="Calibri"/>
+                <a:ea typeface="맑은 고딕"/>
+                <a:cs typeface="맑은 고딕"/>
+              </a:rPr>
+              <a:t>C</a:t>
+            </a:r>
+            <a:r>
+              <a:rPr xmlns:mc="http://schemas.openxmlformats.org/markup-compatibility/2006" xmlns:hp="http://schemas.haansoft.com/office/presentation/8.0" kumimoji="0" lang="ko-KR" altLang="en-US" sz="1800" b="0" i="0" u="none" strike="noStrike" kern="1200" cap="none" spc="0" normalizeH="0" baseline="0" mc:Ignorable="hp" hp:hslEmbossed="0">
+                <a:solidFill>
+                  <a:srgbClr val="000000"/>
+                </a:solidFill>
+                <a:latin typeface="Calibri"/>
+                <a:ea typeface="맑은 고딕"/>
+                <a:cs typeface="맑은 고딕"/>
+              </a:rPr>
+              <a:t>에 있는 </a:t>
+            </a:r>
+            <a:r>
+              <a:rPr xmlns:mc="http://schemas.openxmlformats.org/markup-compatibility/2006" xmlns:hp="http://schemas.haansoft.com/office/presentation/8.0" kumimoji="0" lang="ko-KR" altLang="en-US" b="0" i="0" u="none" strike="noStrike" kern="1200" cap="none" spc="0" normalizeH="0" baseline="0" mc:Ignorable="hp" hp:hslEmbossed="0">
+                <a:solidFill>
+                  <a:srgbClr val="000000"/>
+                </a:solidFill>
+                <a:latin typeface="Calibri"/>
+                <a:ea typeface="맑은 고딕"/>
+                <a:cs typeface="맑은 고딕"/>
+              </a:rPr>
+              <a:t>원판</a:t>
+            </a:r>
+            <a:r>
+              <a:rPr xmlns:mc="http://schemas.openxmlformats.org/markup-compatibility/2006" xmlns:hp="http://schemas.haansoft.com/office/presentation/8.0" kumimoji="0" lang="ko-KR" altLang="en-US" sz="1800" b="0" i="0" u="none" strike="noStrike" kern="1200" cap="none" spc="0" normalizeH="0" baseline="0" mc:Ignorable="hp" hp:hslEmbossed="0">
+                <a:solidFill>
+                  <a:srgbClr val="000000"/>
+                </a:solidFill>
+                <a:latin typeface="Calibri"/>
+                <a:ea typeface="맑은 고딕"/>
+                <a:cs typeface="맑은 고딕"/>
+              </a:rPr>
+              <a:t>의 경우 가장 큰 크기의 </a:t>
+            </a:r>
+            <a:r>
+              <a:rPr xmlns:mc="http://schemas.openxmlformats.org/markup-compatibility/2006" xmlns:hp="http://schemas.haansoft.com/office/presentation/8.0" kumimoji="0" lang="ko-KR" altLang="en-US" b="0" i="0" u="none" strike="noStrike" kern="1200" cap="none" spc="0" normalizeH="0" baseline="0" mc:Ignorable="hp" hp:hslEmbossed="0">
+                <a:solidFill>
+                  <a:srgbClr val="000000"/>
+                </a:solidFill>
+                <a:latin typeface="Calibri"/>
+                <a:ea typeface="맑은 고딕"/>
+                <a:cs typeface="맑은 고딕"/>
+              </a:rPr>
+              <a:t>원판</a:t>
+            </a:r>
+            <a:r>
+              <a:rPr xmlns:mc="http://schemas.openxmlformats.org/markup-compatibility/2006" xmlns:hp="http://schemas.haansoft.com/office/presentation/8.0" kumimoji="0" lang="ko-KR" altLang="en-US" sz="1800" b="0" i="0" u="none" strike="noStrike" kern="1200" cap="none" spc="0" normalizeH="0" baseline="0" mc:Ignorable="hp" hp:hslEmbossed="0">
+                <a:solidFill>
+                  <a:srgbClr val="000000"/>
+                </a:solidFill>
+                <a:latin typeface="Calibri"/>
+                <a:ea typeface="맑은 고딕"/>
+                <a:cs typeface="맑은 고딕"/>
+              </a:rPr>
+              <a:t>이 도착 위치에 있기 때문에 더이상 이동하지 않아 없는 원판으로 보아도 됩니다</a:t>
+            </a:r>
+            <a:r>
+              <a:rPr xmlns:mc="http://schemas.openxmlformats.org/markup-compatibility/2006" xmlns:hp="http://schemas.haansoft.com/office/presentation/8.0" kumimoji="0" lang="en-US" altLang="ko-KR" sz="1800" b="0" i="0" u="none" strike="noStrike" kern="1200" cap="none" spc="0" normalizeH="0" baseline="0" mc:Ignorable="hp" hp:hslEmbossed="0">
+                <a:solidFill>
+                  <a:srgbClr val="000000"/>
+                </a:solidFill>
+                <a:latin typeface="Calibri"/>
+                <a:ea typeface="맑은 고딕"/>
+                <a:cs typeface="맑은 고딕"/>
+              </a:rPr>
+              <a:t>.</a:t>
+            </a:r>
+            <a:endParaRPr xmlns:mc="http://schemas.openxmlformats.org/markup-compatibility/2006" xmlns:hp="http://schemas.haansoft.com/office/presentation/8.0" kumimoji="0" lang="en-US" altLang="ko-KR" sz="1800" b="0" i="0" u="none" strike="noStrike" kern="1200" cap="none" spc="0" normalizeH="0" baseline="0" mc:Ignorable="hp" hp:hslEmbossed="0">
+              <a:solidFill>
+                <a:srgbClr val="000000"/>
+              </a:solidFill>
+              <a:latin typeface="Calibri"/>
+              <a:ea typeface="맑은 고딕"/>
+              <a:cs typeface="맑은 고딕"/>
+            </a:endParaRPr>
+          </a:p>
+        </p:txBody>
+      </p:sp>
+      <p:grpSp>
+        <p:nvGrpSpPr>
+          <p:cNvPr id="97" name="그룹 7"/>
+          <p:cNvGrpSpPr/>
+          <p:nvPr/>
+        </p:nvGrpSpPr>
+        <p:grpSpPr>
+          <a:xfrm rot="0">
+            <a:off x="838738" y="5940335"/>
+            <a:ext cx="2914150" cy="744901"/>
+            <a:chOff x="596651" y="2915679"/>
+            <a:chExt cx="11266289" cy="2879836"/>
+          </a:xfrm>
+        </p:grpSpPr>
+        <p:sp>
+          <p:nvSpPr>
+            <p:cNvPr id="98" name="직사각형 12"/>
+            <p:cNvSpPr/>
+            <p:nvPr/>
+          </p:nvSpPr>
+          <p:spPr>
+            <a:xfrm>
+              <a:off x="596651" y="2915691"/>
+              <a:ext cx="3490019" cy="2879824"/>
+            </a:xfrm>
+            <a:prstGeom prst="rect">
+              <a:avLst/>
+            </a:prstGeom>
+            <a:noFill/>
+            <a:ln w="28575" cap="flat" cmpd="sng" algn="ctr">
+              <a:solidFill>
+                <a:srgbClr val="ff0000">
+                  <a:alpha val="100000"/>
+                </a:srgbClr>
+              </a:solidFill>
+              <a:prstDash val="sysDash"/>
+            </a:ln>
+          </p:spPr>
+          <p:txBody>
+            <a:bodyPr anchor="ctr"/>
+            <a:p>
+              <a:pPr marL="0" lvl="0" indent="0" algn="ctr" defTabSz="914400" rtl="0" eaLnBrk="1" latinLnBrk="1" hangingPunct="1">
+                <a:lnSpc>
+                  <a:spcPct val="100000"/>
+                </a:lnSpc>
+                <a:spcBef>
+                  <a:spcPts val="0"/>
+                </a:spcBef>
+                <a:spcAft>
+                  <a:spcPts val="0"/>
+                </a:spcAft>
+                <a:buNone/>
+                <a:defRPr/>
+              </a:pPr>
+              <a:endParaRPr xmlns:mc="http://schemas.openxmlformats.org/markup-compatibility/2006" xmlns:hp="http://schemas.haansoft.com/office/presentation/8.0" kumimoji="0" lang="ko-KR" altLang="en-US" sz="1800" b="0" i="0" u="none" strike="noStrike" kern="1200" cap="none" spc="0" normalizeH="0" baseline="0" mc:Ignorable="hp" hp:hslEmbossed="0">
+                <a:solidFill>
+                  <a:srgbClr val="ffffff"/>
+                </a:solidFill>
+                <a:latin typeface="Calibri"/>
+                <a:ea typeface="맑은 고딕"/>
+                <a:cs typeface="맑은 고딕"/>
+              </a:endParaRPr>
+            </a:p>
+          </p:txBody>
+        </p:sp>
+        <p:sp>
+          <p:nvSpPr>
+            <p:cNvPr id="99" name="직사각형 13"/>
+            <p:cNvSpPr/>
+            <p:nvPr/>
+          </p:nvSpPr>
+          <p:spPr>
+            <a:xfrm>
+              <a:off x="4484786" y="2915691"/>
+              <a:ext cx="3490019" cy="2879824"/>
+            </a:xfrm>
+            <a:prstGeom prst="rect">
+              <a:avLst/>
+            </a:prstGeom>
+            <a:noFill/>
+            <a:ln w="28575" cap="flat" cmpd="sng" algn="ctr">
+              <a:solidFill>
+                <a:srgbClr val="ff0000">
+                  <a:alpha val="100000"/>
+                </a:srgbClr>
+              </a:solidFill>
+              <a:prstDash val="sysDash"/>
+            </a:ln>
+          </p:spPr>
+          <p:txBody>
+            <a:bodyPr anchor="ctr"/>
+            <a:p>
+              <a:pPr marL="0" lvl="0" indent="0" algn="ctr" defTabSz="914400" rtl="0" eaLnBrk="1" latinLnBrk="1" hangingPunct="1">
+                <a:lnSpc>
+                  <a:spcPct val="100000"/>
+                </a:lnSpc>
+                <a:spcBef>
+                  <a:spcPts val="0"/>
+                </a:spcBef>
+                <a:spcAft>
+                  <a:spcPts val="0"/>
+                </a:spcAft>
+                <a:buNone/>
+                <a:defRPr/>
+              </a:pPr>
+              <a:endParaRPr xmlns:mc="http://schemas.openxmlformats.org/markup-compatibility/2006" xmlns:hp="http://schemas.haansoft.com/office/presentation/8.0" kumimoji="0" lang="ko-KR" altLang="en-US" sz="1800" b="0" i="0" u="none" strike="noStrike" kern="1200" cap="none" spc="0" normalizeH="0" baseline="0" mc:Ignorable="hp" hp:hslEmbossed="0">
+                <a:solidFill>
+                  <a:srgbClr val="ffffff"/>
+                </a:solidFill>
+                <a:latin typeface="Calibri"/>
+                <a:ea typeface="맑은 고딕"/>
+                <a:cs typeface="맑은 고딕"/>
+              </a:endParaRPr>
+            </a:p>
+          </p:txBody>
+        </p:sp>
+        <p:sp>
+          <p:nvSpPr>
+            <p:cNvPr id="100" name="직사각형 14"/>
+            <p:cNvSpPr/>
+            <p:nvPr/>
+          </p:nvSpPr>
+          <p:spPr>
+            <a:xfrm>
+              <a:off x="8372921" y="2915691"/>
+              <a:ext cx="3490019" cy="2879824"/>
+            </a:xfrm>
+            <a:prstGeom prst="rect">
+              <a:avLst/>
+            </a:prstGeom>
+            <a:noFill/>
+            <a:ln w="28575" cap="flat" cmpd="sng" algn="ctr">
+              <a:solidFill>
+                <a:srgbClr val="ff0000">
+                  <a:alpha val="100000"/>
+                </a:srgbClr>
+              </a:solidFill>
+              <a:prstDash val="sysDash"/>
+            </a:ln>
+          </p:spPr>
+          <p:txBody>
+            <a:bodyPr anchor="ctr"/>
+            <a:p>
+              <a:pPr marL="0" lvl="0" indent="0" algn="ctr" defTabSz="914400" rtl="0" eaLnBrk="1" latinLnBrk="1" hangingPunct="1">
+                <a:lnSpc>
+                  <a:spcPct val="100000"/>
+                </a:lnSpc>
+                <a:spcBef>
+                  <a:spcPts val="0"/>
+                </a:spcBef>
+                <a:spcAft>
+                  <a:spcPts val="0"/>
+                </a:spcAft>
+                <a:buNone/>
+                <a:defRPr/>
+              </a:pPr>
+              <a:endParaRPr xmlns:mc="http://schemas.openxmlformats.org/markup-compatibility/2006" xmlns:hp="http://schemas.haansoft.com/office/presentation/8.0" kumimoji="0" lang="ko-KR" altLang="en-US" sz="1800" b="0" i="0" u="none" strike="noStrike" kern="1200" cap="none" spc="0" normalizeH="0" baseline="0" mc:Ignorable="hp" hp:hslEmbossed="0">
+                <a:solidFill>
+                  <a:srgbClr val="ffffff"/>
+                </a:solidFill>
+                <a:latin typeface="Calibri"/>
+                <a:ea typeface="맑은 고딕"/>
+                <a:cs typeface="맑은 고딕"/>
+              </a:endParaRPr>
+            </a:p>
+          </p:txBody>
+        </p:sp>
+        <p:sp>
+          <p:nvSpPr>
+            <p:cNvPr id="102" name="직사각형 8"/>
+            <p:cNvSpPr/>
+            <p:nvPr/>
+          </p:nvSpPr>
+          <p:spPr>
+            <a:xfrm>
+              <a:off x="1852511" y="4567266"/>
+              <a:ext cx="959941" cy="372070"/>
+            </a:xfrm>
+            <a:prstGeom prst="rect">
+              <a:avLst/>
+            </a:prstGeom>
+            <a:solidFill>
+              <a:srgbClr val="9d5cbb">
+                <a:alpha val="100000"/>
+              </a:srgbClr>
+            </a:solidFill>
+            <a:ln w="19050" cap="flat" cmpd="sng" algn="ctr">
+              <a:solidFill>
+                <a:srgbClr val="4b2b59">
+                  <a:alpha val="100000"/>
+                </a:srgbClr>
+              </a:solidFill>
+              <a:prstDash val="solid"/>
+            </a:ln>
+          </p:spPr>
+          <p:txBody>
+            <a:bodyPr anchor="ctr"/>
+            <a:p>
+              <a:pPr marL="0" lvl="0" indent="0" algn="ctr" defTabSz="914400" rtl="0" eaLnBrk="1" latinLnBrk="1" hangingPunct="1">
+                <a:lnSpc>
+                  <a:spcPct val="100000"/>
+                </a:lnSpc>
+                <a:spcBef>
+                  <a:spcPts val="0"/>
+                </a:spcBef>
+                <a:spcAft>
+                  <a:spcPts val="0"/>
+                </a:spcAft>
+                <a:buNone/>
+                <a:defRPr/>
+              </a:pPr>
+              <a:endParaRPr xmlns:mc="http://schemas.openxmlformats.org/markup-compatibility/2006" xmlns:hp="http://schemas.haansoft.com/office/presentation/8.0" kumimoji="0" lang="ko-KR" altLang="en-US" sz="1800" b="0" i="0" u="none" strike="noStrike" kern="1200" cap="none" spc="0" normalizeH="0" baseline="0" mc:Ignorable="hp" hp:hslEmbossed="0">
+                <a:solidFill>
+                  <a:srgbClr val="ffffff"/>
+                </a:solidFill>
+                <a:latin typeface="Calibri"/>
+                <a:ea typeface="맑은 고딕"/>
+                <a:cs typeface="맑은 고딕"/>
+              </a:endParaRPr>
+            </a:p>
+          </p:txBody>
+        </p:sp>
+        <p:sp>
+          <p:nvSpPr>
+            <p:cNvPr id="103" name="가로 글상자 15"/>
+            <p:cNvSpPr txBox="1"/>
+            <p:nvPr/>
+          </p:nvSpPr>
+          <p:spPr>
+            <a:xfrm>
+              <a:off x="704688" y="2915682"/>
+              <a:ext cx="1534769" cy="1397621"/>
+            </a:xfrm>
+            <a:prstGeom prst="rect">
+              <a:avLst/>
+            </a:prstGeom>
+          </p:spPr>
+          <p:txBody>
+            <a:bodyPr wrap="square">
+              <a:spAutoFit/>
+            </a:bodyPr>
+            <a:p>
+              <a:pPr marL="0" lvl="0" indent="0" algn="l" defTabSz="914400" rtl="0" eaLnBrk="1" latinLnBrk="1" hangingPunct="1">
+                <a:lnSpc>
+                  <a:spcPct val="100000"/>
+                </a:lnSpc>
+                <a:spcBef>
+                  <a:spcPts val="0"/>
+                </a:spcBef>
+                <a:spcAft>
+                  <a:spcPts val="0"/>
+                </a:spcAft>
+                <a:buNone/>
+                <a:defRPr/>
+              </a:pPr>
+              <a:r>
+                <a:rPr xmlns:mc="http://schemas.openxmlformats.org/markup-compatibility/2006" xmlns:hp="http://schemas.haansoft.com/office/presentation/8.0" kumimoji="0" lang="en-US" altLang="ko-KR" sz="1800" b="0" i="0" u="none" strike="noStrike" kern="1200" cap="none" spc="0" normalizeH="0" baseline="0" mc:Ignorable="hp" hp:hslEmbossed="0">
+                  <a:solidFill>
+                    <a:srgbClr val="000000"/>
+                  </a:solidFill>
+                  <a:latin typeface="Calibri"/>
+                  <a:ea typeface="맑은 고딕"/>
+                  <a:cs typeface="Calibri"/>
+                </a:rPr>
+                <a:t>A</a:t>
+              </a:r>
+              <a:endParaRPr xmlns:mc="http://schemas.openxmlformats.org/markup-compatibility/2006" xmlns:hp="http://schemas.haansoft.com/office/presentation/8.0" kumimoji="0" lang="en-US" altLang="ko-KR" sz="1800" b="0" i="0" u="none" strike="noStrike" kern="1200" cap="none" spc="0" normalizeH="0" baseline="0" mc:Ignorable="hp" hp:hslEmbossed="0">
+                <a:solidFill>
+                  <a:srgbClr val="000000"/>
+                </a:solidFill>
+                <a:latin typeface="Calibri"/>
+                <a:ea typeface="맑은 고딕"/>
+                <a:cs typeface="Calibri"/>
+              </a:endParaRPr>
+            </a:p>
+          </p:txBody>
+        </p:sp>
+        <p:sp>
+          <p:nvSpPr>
+            <p:cNvPr id="104" name="가로 글상자 19"/>
+            <p:cNvSpPr txBox="1"/>
+            <p:nvPr/>
+          </p:nvSpPr>
+          <p:spPr>
+            <a:xfrm>
+              <a:off x="4641049" y="2915679"/>
+              <a:ext cx="909298" cy="1389216"/>
+            </a:xfrm>
+            <a:prstGeom prst="rect">
+              <a:avLst/>
+            </a:prstGeom>
+          </p:spPr>
+          <p:txBody>
+            <a:bodyPr wrap="square">
+              <a:spAutoFit/>
+            </a:bodyPr>
+            <a:p>
+              <a:pPr marL="0" lvl="0" indent="0" algn="l" defTabSz="914400" rtl="0" eaLnBrk="1" latinLnBrk="1" hangingPunct="1">
+                <a:lnSpc>
+                  <a:spcPct val="100000"/>
+                </a:lnSpc>
+                <a:spcBef>
+                  <a:spcPts val="0"/>
+                </a:spcBef>
+                <a:spcAft>
+                  <a:spcPts val="0"/>
+                </a:spcAft>
+                <a:buNone/>
+                <a:defRPr/>
+              </a:pPr>
+              <a:r>
+                <a:rPr xmlns:mc="http://schemas.openxmlformats.org/markup-compatibility/2006" xmlns:hp="http://schemas.haansoft.com/office/presentation/8.0" kumimoji="0" lang="en-US" altLang="ko-KR" sz="1800" b="0" i="0" u="none" strike="noStrike" kern="1200" cap="none" spc="0" normalizeH="0" baseline="0" mc:Ignorable="hp" hp:hslEmbossed="0">
+                  <a:solidFill>
+                    <a:srgbClr val="000000"/>
+                  </a:solidFill>
+                  <a:latin typeface="Calibri"/>
+                  <a:ea typeface="맑은 고딕"/>
+                  <a:cs typeface="Calibri"/>
+                </a:rPr>
+                <a:t>C</a:t>
+              </a:r>
+              <a:endParaRPr xmlns:mc="http://schemas.openxmlformats.org/markup-compatibility/2006" xmlns:hp="http://schemas.haansoft.com/office/presentation/8.0" kumimoji="0" lang="en-US" altLang="ko-KR" sz="1800" b="0" i="0" u="none" strike="noStrike" kern="1200" cap="none" spc="0" normalizeH="0" baseline="0" mc:Ignorable="hp" hp:hslEmbossed="0">
+                <a:solidFill>
+                  <a:srgbClr val="000000"/>
+                </a:solidFill>
+                <a:latin typeface="Calibri"/>
+                <a:ea typeface="맑은 고딕"/>
+                <a:cs typeface="Calibri"/>
+              </a:endParaRPr>
+            </a:p>
+          </p:txBody>
+        </p:sp>
+        <p:sp>
+          <p:nvSpPr>
+            <p:cNvPr id="105" name="가로 글상자 20"/>
+            <p:cNvSpPr txBox="1"/>
+            <p:nvPr/>
+          </p:nvSpPr>
+          <p:spPr>
+            <a:xfrm>
+              <a:off x="8495699" y="2915679"/>
+              <a:ext cx="921193" cy="1389216"/>
+            </a:xfrm>
+            <a:prstGeom prst="rect">
+              <a:avLst/>
+            </a:prstGeom>
+          </p:spPr>
+          <p:txBody>
+            <a:bodyPr wrap="square">
+              <a:spAutoFit/>
+            </a:bodyPr>
+            <a:p>
+              <a:pPr marL="0" lvl="0" indent="0" algn="l" defTabSz="914400" rtl="0" eaLnBrk="1" latinLnBrk="1" hangingPunct="1">
+                <a:lnSpc>
+                  <a:spcPct val="100000"/>
+                </a:lnSpc>
+                <a:spcBef>
+                  <a:spcPts val="0"/>
+                </a:spcBef>
+                <a:spcAft>
+                  <a:spcPts val="0"/>
+                </a:spcAft>
+                <a:buNone/>
+                <a:defRPr/>
+              </a:pPr>
+              <a:r>
+                <a:rPr xmlns:mc="http://schemas.openxmlformats.org/markup-compatibility/2006" xmlns:hp="http://schemas.haansoft.com/office/presentation/8.0" kumimoji="0" lang="en-US" altLang="ko-KR" sz="1800" b="0" i="0" u="none" strike="noStrike" kern="1200" cap="none" spc="0" normalizeH="0" baseline="0" mc:Ignorable="hp" hp:hslEmbossed="0">
+                  <a:solidFill>
+                    <a:srgbClr val="000000"/>
+                  </a:solidFill>
+                  <a:latin typeface="Calibri"/>
+                  <a:ea typeface="맑은 고딕"/>
+                  <a:cs typeface="Calibri"/>
+                </a:rPr>
+                <a:t>B</a:t>
+              </a:r>
+              <a:endParaRPr xmlns:mc="http://schemas.openxmlformats.org/markup-compatibility/2006" xmlns:hp="http://schemas.haansoft.com/office/presentation/8.0" kumimoji="0" lang="en-US" altLang="ko-KR" sz="1800" b="0" i="0" u="none" strike="noStrike" kern="1200" cap="none" spc="0" normalizeH="0" baseline="0" mc:Ignorable="hp" hp:hslEmbossed="0">
+                <a:solidFill>
+                  <a:srgbClr val="000000"/>
+                </a:solidFill>
+                <a:latin typeface="Calibri"/>
+                <a:ea typeface="맑은 고딕"/>
+                <a:cs typeface="Calibri"/>
+              </a:endParaRPr>
+            </a:p>
+          </p:txBody>
+        </p:sp>
+        <p:sp>
+          <p:nvSpPr>
+            <p:cNvPr id="106" name="직사각형 6"/>
+            <p:cNvSpPr/>
+            <p:nvPr/>
+          </p:nvSpPr>
+          <p:spPr>
+            <a:xfrm>
+              <a:off x="5124747" y="4541639"/>
+              <a:ext cx="2210096" cy="372070"/>
+            </a:xfrm>
+            <a:prstGeom prst="rect">
+              <a:avLst/>
+            </a:prstGeom>
+            <a:solidFill>
+              <a:srgbClr val="ffd700">
+                <a:alpha val="10980"/>
+              </a:srgbClr>
+            </a:solidFill>
+            <a:ln w="19050" cap="flat" cmpd="sng" algn="ctr">
+              <a:solidFill>
+                <a:srgbClr val="7a6700">
+                  <a:alpha val="100000"/>
+                </a:srgbClr>
+              </a:solidFill>
+              <a:prstDash val="sysDot"/>
+            </a:ln>
+          </p:spPr>
+          <p:txBody>
+            <a:bodyPr anchor="ctr"/>
+            <a:p>
+              <a:pPr marL="0" lvl="0" indent="0" algn="ctr" defTabSz="914400" rtl="0" eaLnBrk="1" latinLnBrk="1" hangingPunct="1">
+                <a:lnSpc>
+                  <a:spcPct val="100000"/>
+                </a:lnSpc>
+                <a:spcBef>
+                  <a:spcPts val="0"/>
+                </a:spcBef>
+                <a:spcAft>
+                  <a:spcPts val="0"/>
+                </a:spcAft>
+                <a:buNone/>
+                <a:defRPr/>
+              </a:pPr>
+              <a:endParaRPr xmlns:mc="http://schemas.openxmlformats.org/markup-compatibility/2006" xmlns:hp="http://schemas.haansoft.com/office/presentation/8.0" kumimoji="0" lang="ko-KR" altLang="en-US" sz="1800" b="0" i="0" u="none" strike="noStrike" kern="1200" cap="none" spc="0" normalizeH="0" baseline="0" mc:Ignorable="hp" hp:hslEmbossed="0">
+                <a:solidFill>
+                  <a:srgbClr val="ffffff"/>
+                </a:solidFill>
+                <a:latin typeface="Calibri"/>
+                <a:ea typeface="맑은 고딕"/>
+                <a:cs typeface="맑은 고딕"/>
+              </a:endParaRPr>
+            </a:p>
+          </p:txBody>
+        </p:sp>
+        <p:sp>
+          <p:nvSpPr>
+            <p:cNvPr id="107" name="직사각형 7"/>
+            <p:cNvSpPr/>
+            <p:nvPr/>
+          </p:nvSpPr>
+          <p:spPr>
+            <a:xfrm>
+              <a:off x="5429844" y="4169563"/>
+              <a:ext cx="1599902" cy="372070"/>
+            </a:xfrm>
+            <a:prstGeom prst="rect">
+              <a:avLst/>
+            </a:prstGeom>
+            <a:solidFill>
+              <a:srgbClr val="289b6e">
+                <a:alpha val="30980"/>
+              </a:srgbClr>
+            </a:solidFill>
+            <a:ln w="19050" cap="flat" cmpd="sng" algn="ctr">
+              <a:solidFill>
+                <a:srgbClr val="134a34">
+                  <a:alpha val="100000"/>
+                </a:srgbClr>
+              </a:solidFill>
+              <a:prstDash val="sysDot"/>
+            </a:ln>
+          </p:spPr>
+          <p:txBody>
+            <a:bodyPr anchor="ctr"/>
+            <a:p>
+              <a:pPr marL="0" lvl="0" indent="0" algn="ctr" defTabSz="914400" rtl="0" eaLnBrk="1" latinLnBrk="1" hangingPunct="1">
+                <a:lnSpc>
+                  <a:spcPct val="100000"/>
+                </a:lnSpc>
+                <a:spcBef>
+                  <a:spcPts val="0"/>
+                </a:spcBef>
+                <a:spcAft>
+                  <a:spcPts val="0"/>
+                </a:spcAft>
+                <a:buNone/>
+                <a:defRPr/>
+              </a:pPr>
+              <a:endParaRPr xmlns:mc="http://schemas.openxmlformats.org/markup-compatibility/2006" xmlns:hp="http://schemas.haansoft.com/office/presentation/8.0" kumimoji="0" lang="ko-KR" altLang="en-US" sz="1800" b="0" i="0" u="none" strike="noStrike" kern="1200" cap="none" spc="0" normalizeH="0" baseline="0" mc:Ignorable="hp" hp:hslEmbossed="0">
+                <a:solidFill>
+                  <a:srgbClr val="ffffff"/>
+                </a:solidFill>
+                <a:latin typeface="Calibri"/>
+                <a:ea typeface="맑은 고딕"/>
+                <a:cs typeface="맑은 고딕"/>
+              </a:endParaRPr>
+            </a:p>
+          </p:txBody>
+        </p:sp>
+      </p:grpSp>
+      <p:sp>
+        <p:nvSpPr>
+          <p:cNvPr id="109" name="가로 글상자 108"/>
+          <p:cNvSpPr txBox="1"/>
+          <p:nvPr/>
+        </p:nvSpPr>
+        <p:spPr>
+          <a:xfrm>
+            <a:off x="3915012" y="6141335"/>
+            <a:ext cx="6688500" cy="638560"/>
+          </a:xfrm>
+          <a:prstGeom prst="rect">
+            <a:avLst/>
+          </a:prstGeom>
+        </p:spPr>
+        <p:txBody>
+          <a:bodyPr wrap="square">
+            <a:spAutoFit/>
+          </a:bodyPr>
+          <a:p>
+            <a:pPr marL="0" lvl="0" indent="0" algn="l" defTabSz="914400" rtl="0" eaLnBrk="1" latinLnBrk="1" hangingPunct="1">
+              <a:lnSpc>
+                <a:spcPct val="100000"/>
+              </a:lnSpc>
+              <a:spcBef>
+                <a:spcPts val="0"/>
+              </a:spcBef>
+              <a:spcAft>
+                <a:spcPts val="0"/>
+              </a:spcAft>
+              <a:buNone/>
+              <a:defRPr/>
+            </a:pPr>
+            <a:r>
+              <a:rPr xmlns:mc="http://schemas.openxmlformats.org/markup-compatibility/2006" xmlns:hp="http://schemas.haansoft.com/office/presentation/8.0" kumimoji="0" lang="ko-KR" altLang="en-US" sz="1800" b="0" i="0" u="none" strike="noStrike" kern="1200" cap="none" spc="0" normalizeH="0" baseline="0" mc:Ignorable="hp" hp:hslEmbossed="0">
+                <a:solidFill>
+                  <a:srgbClr val="000000"/>
+                </a:solidFill>
+                <a:latin typeface="Calibri"/>
+                <a:ea typeface="맑은 고딕"/>
+                <a:cs typeface="맑은 고딕"/>
+              </a:rPr>
+              <a:t>← </a:t>
+            </a:r>
+            <a:r>
+              <a:rPr xmlns:mc="http://schemas.openxmlformats.org/markup-compatibility/2006" xmlns:hp="http://schemas.haansoft.com/office/presentation/8.0" kumimoji="0" lang="en-US" altLang="ko-KR" sz="1800" b="0" i="0" u="none" strike="noStrike" kern="1200" cap="none" spc="0" normalizeH="0" baseline="0" mc:Ignorable="hp" hp:hslEmbossed="0">
+                <a:solidFill>
+                  <a:srgbClr val="000000"/>
+                </a:solidFill>
+                <a:latin typeface="Calibri"/>
+                <a:ea typeface="맑은 고딕"/>
+                <a:cs typeface="맑은 고딕"/>
+              </a:rPr>
+              <a:t> C</a:t>
+            </a:r>
+            <a:r>
+              <a:rPr xmlns:mc="http://schemas.openxmlformats.org/markup-compatibility/2006" xmlns:hp="http://schemas.haansoft.com/office/presentation/8.0" kumimoji="0" lang="ko-KR" altLang="en-US" sz="1800" b="0" i="0" u="none" strike="noStrike" kern="1200" cap="none" spc="0" normalizeH="0" baseline="0" mc:Ignorable="hp" hp:hslEmbossed="0">
+                <a:solidFill>
+                  <a:srgbClr val="000000"/>
+                </a:solidFill>
+                <a:latin typeface="Calibri"/>
+                <a:ea typeface="맑은 고딕"/>
+                <a:cs typeface="맑은 고딕"/>
+              </a:rPr>
+              <a:t>에는 순서만 맞다면 전부 없는 원판으로 치부해도 됩니다</a:t>
+            </a:r>
+            <a:r>
+              <a:rPr xmlns:mc="http://schemas.openxmlformats.org/markup-compatibility/2006" xmlns:hp="http://schemas.haansoft.com/office/presentation/8.0" kumimoji="0" lang="en-US" altLang="ko-KR" sz="1800" b="0" i="0" u="none" strike="noStrike" kern="1200" cap="none" spc="0" normalizeH="0" baseline="0" mc:Ignorable="hp" hp:hslEmbossed="0">
+                <a:solidFill>
+                  <a:srgbClr val="000000"/>
+                </a:solidFill>
+                <a:latin typeface="Calibri"/>
+                <a:ea typeface="맑은 고딕"/>
+                <a:cs typeface="맑은 고딕"/>
+              </a:rPr>
+              <a:t>.</a:t>
+            </a:r>
+            <a:r>
+              <a:rPr xmlns:mc="http://schemas.openxmlformats.org/markup-compatibility/2006" xmlns:hp="http://schemas.haansoft.com/office/presentation/8.0" kumimoji="0" lang="ko-KR" altLang="en-US" sz="1800" b="0" i="0" u="none" strike="noStrike" kern="1200" cap="none" spc="0" normalizeH="0" baseline="0" mc:Ignorable="hp" hp:hslEmbossed="0">
+                <a:solidFill>
+                  <a:srgbClr val="000000"/>
+                </a:solidFill>
+                <a:latin typeface="Calibri"/>
+                <a:ea typeface="맑은 고딕"/>
+                <a:cs typeface="맑은 고딕"/>
+              </a:rPr>
+              <a:t> </a:t>
+            </a:r>
+            <a:br>
+              <a:rPr xmlns:mc="http://schemas.openxmlformats.org/markup-compatibility/2006" xmlns:hp="http://schemas.haansoft.com/office/presentation/8.0" kumimoji="0" lang="ko-KR" altLang="en-US" sz="1800" b="0" i="0" u="none" strike="noStrike" kern="1200" cap="none" spc="0" normalizeH="0" baseline="0" mc:Ignorable="hp" hp:hslEmbossed="0">
+                <a:solidFill>
+                  <a:srgbClr val="000000"/>
+                </a:solidFill>
+                <a:latin typeface="Calibri"/>
+                <a:ea typeface="맑은 고딕"/>
+                <a:cs typeface="맑은 고딕"/>
+              </a:rPr>
+            </a:br>
+            <a:r>
+              <a:rPr xmlns:mc="http://schemas.openxmlformats.org/markup-compatibility/2006" xmlns:hp="http://schemas.haansoft.com/office/presentation/8.0" kumimoji="0" lang="ko-KR" altLang="en-US" sz="1800" b="0" i="0" u="none" strike="noStrike" kern="1200" cap="none" spc="0" normalizeH="0" baseline="0" mc:Ignorable="hp" hp:hslEmbossed="0">
+                <a:solidFill>
+                  <a:srgbClr val="000000"/>
+                </a:solidFill>
+                <a:latin typeface="Calibri"/>
+                <a:ea typeface="맑은 고딕"/>
+                <a:cs typeface="맑은 고딕"/>
+              </a:rPr>
+              <a:t>     </a:t>
+            </a:r>
+            <a:r>
+              <a:rPr xmlns:mc="http://schemas.openxmlformats.org/markup-compatibility/2006" xmlns:hp="http://schemas.haansoft.com/office/presentation/8.0" kumimoji="0" lang="en-US" altLang="ko-KR" sz="1800" b="0" i="0" u="none" strike="noStrike" kern="1200" cap="none" spc="0" normalizeH="0" baseline="0" mc:Ignorable="hp" hp:hslEmbossed="0">
+                <a:solidFill>
+                  <a:srgbClr val="000000"/>
+                </a:solidFill>
+                <a:latin typeface="Calibri"/>
+                <a:ea typeface="맑은 고딕"/>
+                <a:cs typeface="맑은 고딕"/>
+              </a:rPr>
+              <a:t>(</a:t>
+            </a:r>
+            <a:r>
+              <a:rPr xmlns:mc="http://schemas.openxmlformats.org/markup-compatibility/2006" xmlns:hp="http://schemas.haansoft.com/office/presentation/8.0" kumimoji="0" lang="ko-KR" altLang="en-US" sz="1800" b="0" i="0" u="none" strike="noStrike" kern="1200" cap="none" spc="0" normalizeH="0" baseline="0" mc:Ignorable="hp" hp:hslEmbossed="0">
+                <a:solidFill>
+                  <a:srgbClr val="000000"/>
+                </a:solidFill>
+                <a:latin typeface="Calibri"/>
+                <a:ea typeface="맑은 고딕"/>
+                <a:cs typeface="맑은 고딕"/>
+              </a:rPr>
+              <a:t>더이상 옮기지 않음</a:t>
+            </a:r>
+            <a:r>
+              <a:rPr xmlns:mc="http://schemas.openxmlformats.org/markup-compatibility/2006" xmlns:hp="http://schemas.haansoft.com/office/presentation/8.0" kumimoji="0" lang="en-US" altLang="ko-KR" sz="1800" b="0" i="0" u="none" strike="noStrike" kern="1200" cap="none" spc="0" normalizeH="0" baseline="0" mc:Ignorable="hp" hp:hslEmbossed="0">
+                <a:solidFill>
+                  <a:srgbClr val="000000"/>
+                </a:solidFill>
+                <a:latin typeface="Calibri"/>
+                <a:ea typeface="맑은 고딕"/>
+                <a:cs typeface="맑은 고딕"/>
+              </a:rPr>
+              <a:t>)</a:t>
+            </a:r>
+            <a:endParaRPr xmlns:mc="http://schemas.openxmlformats.org/markup-compatibility/2006" xmlns:hp="http://schemas.haansoft.com/office/presentation/8.0" kumimoji="0" lang="en-US" altLang="ko-KR" sz="1800" b="0" i="0" u="none" strike="noStrike" kern="1200" cap="none" spc="0" normalizeH="0" baseline="0" mc:Ignorable="hp" hp:hslEmbossed="0">
+              <a:solidFill>
+                <a:srgbClr val="000000"/>
+              </a:solidFill>
+              <a:latin typeface="Calibri"/>
+              <a:ea typeface="맑은 고딕"/>
+              <a:cs typeface="맑은 고딕"/>
+            </a:endParaRPr>
+          </a:p>
+        </p:txBody>
+      </p:sp>
+    </p:spTree>
+  </p:cSld>
+  <p:clrMapOvr>
+    <a:masterClrMapping/>
+  </p:clrMapOvr>
+  <mc:AlternateContent xmlns:mc="http://schemas.openxmlformats.org/markup-compatibility/2006">
+    <mc:Choice xmlns:p14="http://schemas.microsoft.com/office/powerpoint/2010/main" Requires="p14">
+      <p:transition xmlns:mc="http://schemas.openxmlformats.org/markup-compatibility/2006" xmlns:p14="http://schemas.microsoft.com/office/powerpoint/2010/main" mc:Ignorable="p14" p14:dur="500"/>
+    </mc:Choice>
+    <mc:Fallback>
+      <p:transition/>
+    </mc:Fallback>
+  </mc:AlternateContent>
+</p:sld>
+</file>
+
+<file path=ppt/slides/slide6.xml><?xml version="1.0" encoding="utf-8"?>
+<p:sld xmlns:r="http://schemas.openxmlformats.org/officeDocument/2006/relationships" xmlns:c="http://schemas.openxmlformats.org/drawingml/2006/chart" xmlns:a="http://schemas.openxmlformats.org/drawingml/2006/main" xmlns:dgm="http://schemas.openxmlformats.org/drawingml/2006/diagram" xmlns:dsp="http://schemas.microsoft.com/office/drawing/2008/diagram" xmlns:p="http://schemas.openxmlformats.org/presentationml/2006/main">
+  <p:cSld>
+    <p:spTree>
+      <p:nvGrpSpPr>
+        <p:cNvPr id="1" name=""/>
+        <p:cNvGrpSpPr/>
+        <p:nvPr/>
+      </p:nvGrpSpPr>
+      <p:grpSpPr>
+        <a:xfrm>
+          <a:off x="0" y="0"/>
+          <a:ext cx="0" cy="0"/>
+          <a:chOff x="0" y="0"/>
+          <a:chExt cx="0" cy="0"/>
+        </a:xfrm>
+      </p:grpSpPr>
       <p:pic>
         <p:nvPicPr>
           <p:cNvPr id="4" name="그림 3"/>
@@ -10693,7 +12970,7 @@
 </p:sld>
 </file>
 
-<file path=ppt/slides/slide6.xml><?xml version="1.0" encoding="utf-8"?>
+<file path=ppt/slides/slide7.xml><?xml version="1.0" encoding="utf-8"?>
 <p:sld xmlns:r="http://schemas.openxmlformats.org/officeDocument/2006/relationships" xmlns:c="http://schemas.openxmlformats.org/drawingml/2006/chart" xmlns:a="http://schemas.openxmlformats.org/drawingml/2006/main" xmlns:dgm="http://schemas.openxmlformats.org/drawingml/2006/diagram" xmlns:dsp="http://schemas.microsoft.com/office/drawing/2008/diagram" xmlns:p="http://schemas.openxmlformats.org/presentationml/2006/main">
   <p:cSld>
     <p:spTree>
@@ -11220,6 +13497,118 @@
               <a:t>15)</a:t>
             </a:r>
             <a:endParaRPr lang="en-US" altLang="ko-KR"/>
+          </a:p>
+        </p:txBody>
+      </p:sp>
+    </p:spTree>
+  </p:cSld>
+  <p:clrMapOvr>
+    <a:masterClrMapping/>
+  </p:clrMapOvr>
+  <mc:AlternateContent xmlns:mc="http://schemas.openxmlformats.org/markup-compatibility/2006">
+    <mc:Choice xmlns:p14="http://schemas.microsoft.com/office/powerpoint/2010/main" Requires="p14">
+      <p:transition xmlns:mc="http://schemas.openxmlformats.org/markup-compatibility/2006" xmlns:p14="http://schemas.microsoft.com/office/powerpoint/2010/main" mc:Ignorable="p14" p14:dur="500"/>
+    </mc:Choice>
+    <mc:Fallback>
+      <p:transition/>
+    </mc:Fallback>
+  </mc:AlternateContent>
+</p:sld>
+</file>
+
+<file path=ppt/slides/slide8.xml><?xml version="1.0" encoding="utf-8"?>
+<p:sld xmlns:r="http://schemas.openxmlformats.org/officeDocument/2006/relationships" xmlns:c="http://schemas.openxmlformats.org/drawingml/2006/chart" xmlns:a="http://schemas.openxmlformats.org/drawingml/2006/main" xmlns:dgm="http://schemas.openxmlformats.org/drawingml/2006/diagram" xmlns:dsp="http://schemas.microsoft.com/office/drawing/2008/diagram" xmlns:p="http://schemas.openxmlformats.org/presentationml/2006/main">
+  <p:cSld>
+    <p:spTree>
+      <p:nvGrpSpPr>
+        <p:cNvPr id="1" name=""/>
+        <p:cNvGrpSpPr/>
+        <p:nvPr/>
+      </p:nvGrpSpPr>
+      <p:grpSpPr>
+        <a:xfrm>
+          <a:off x="0" y="0"/>
+          <a:ext cx="0" cy="0"/>
+          <a:chOff x="0" y="0"/>
+          <a:chExt cx="0" cy="0"/>
+        </a:xfrm>
+      </p:grpSpPr>
+      <p:pic>
+        <p:nvPicPr>
+          <p:cNvPr id="5" name="그림 4"/>
+          <p:cNvPicPr>
+            <a:picLocks noChangeAspect="1"/>
+          </p:cNvPicPr>
+          <p:nvPr/>
+        </p:nvPicPr>
+        <p:blipFill rotWithShape="1">
+          <a:blip r:embed="rId2"/>
+          <a:stretch>
+            <a:fillRect/>
+          </a:stretch>
+        </p:blipFill>
+        <p:spPr>
+          <a:xfrm>
+            <a:off x="0" y="1783902"/>
+            <a:ext cx="5852750" cy="3290195"/>
+          </a:xfrm>
+          <a:prstGeom prst="rect">
+            <a:avLst/>
+          </a:prstGeom>
+        </p:spPr>
+      </p:pic>
+      <p:pic>
+        <p:nvPicPr>
+          <p:cNvPr id="6" name="그림 5"/>
+          <p:cNvPicPr>
+            <a:picLocks noChangeAspect="1"/>
+          </p:cNvPicPr>
+          <p:nvPr/>
+        </p:nvPicPr>
+        <p:blipFill rotWithShape="1">
+          <a:blip r:embed="rId3"/>
+          <a:stretch>
+            <a:fillRect/>
+          </a:stretch>
+        </p:blipFill>
+        <p:spPr>
+          <a:xfrm>
+            <a:off x="6096000" y="1573801"/>
+            <a:ext cx="5944115" cy="4130398"/>
+          </a:xfrm>
+          <a:prstGeom prst="rect">
+            <a:avLst/>
+          </a:prstGeom>
+        </p:spPr>
+      </p:pic>
+      <p:sp>
+        <p:nvSpPr>
+          <p:cNvPr id="7" name="가로 글상자 6"/>
+          <p:cNvSpPr txBox="1"/>
+          <p:nvPr/>
+        </p:nvSpPr>
+        <p:spPr>
+          <a:xfrm>
+            <a:off x="250345" y="436500"/>
+            <a:ext cx="2676030" cy="361695"/>
+          </a:xfrm>
+          <a:prstGeom prst="rect">
+            <a:avLst/>
+          </a:prstGeom>
+        </p:spPr>
+        <p:txBody>
+          <a:bodyPr wrap="none">
+            <a:spAutoFit/>
+          </a:bodyPr>
+          <a:p>
+            <a:pPr lvl="0">
+              <a:defRPr/>
+            </a:pPr>
+            <a:r>
+              <a:rPr lang="ko-KR" altLang="en-US"/>
+              <a:t>하노아 탑의 수학적 증명</a:t>
+            </a:r>
+            <a:endParaRPr lang="ko-KR" altLang="en-US"/>
           </a:p>
         </p:txBody>
       </p:sp>
